--- a/KryptoMagick Pitch.pptx
+++ b/KryptoMagick Pitch.pptx
@@ -44,6 +44,8 @@
     <p:sldId id="292" r:id="rId39"/>
     <p:sldId id="293" r:id="rId40"/>
     <p:sldId id="294" r:id="rId41"/>
+    <p:sldId id="295" r:id="rId42"/>
+    <p:sldId id="296" r:id="rId43"/>
   </p:sldIdLst>
   <p:sldSz cx="10080625" cy="5670550"/>
   <p:notesSz cx="7772400" cy="10058400"/>
@@ -1602,7 +1604,7 @@
         </p:spPr>
         <p:txBody>
           <a:bodyPr lIns="0" rIns="0" tIns="28440" bIns="0">
-            <a:normAutofit fontScale="64000"/>
+            <a:normAutofit/>
           </a:bodyPr>
           <a:p>
             <a:pPr marL="342720" indent="-342720">
@@ -1627,9 +1629,9 @@
             </a:endParaRPr>
           </a:p>
           <a:p>
-            <a:pPr lvl="1" marL="342720" indent="-342720">
-              <a:spcBef>
-                <a:spcPts val="1423"/>
+            <a:pPr lvl="1" marL="742680" indent="-285480">
+              <a:spcBef>
+                <a:spcPts val="1137"/>
               </a:spcBef>
               <a:buClr>
                 <a:srgbClr val="000000"/>
@@ -1638,7 +1640,7 @@
               <a:buChar char="–"/>
             </a:pPr>
             <a:r>
-              <a:rPr b="0" lang="en-US" sz="3200" spc="-1" strike="noStrike">
+              <a:rPr b="0" lang="en-US" sz="2800" spc="-1" strike="noStrike">
                 <a:solidFill>
                   <a:srgbClr val="000000"/>
                 </a:solidFill>
@@ -1646,17 +1648,17 @@
               </a:rPr>
               <a:t>Second Outline Level</a:t>
             </a:r>
-            <a:endParaRPr b="0" lang="en-US" sz="3200" spc="-1" strike="noStrike">
-              <a:solidFill>
-                <a:srgbClr val="000000"/>
-              </a:solidFill>
-              <a:latin typeface="Arial"/>
-            </a:endParaRPr>
-          </a:p>
-          <a:p>
-            <a:pPr lvl="2" marL="342720" indent="-342720">
-              <a:spcBef>
-                <a:spcPts val="1423"/>
+            <a:endParaRPr b="0" lang="en-US" sz="2800" spc="-1" strike="noStrike">
+              <a:solidFill>
+                <a:srgbClr val="000000"/>
+              </a:solidFill>
+              <a:latin typeface="Arial"/>
+            </a:endParaRPr>
+          </a:p>
+          <a:p>
+            <a:pPr lvl="2" marL="1143000" indent="-228600">
+              <a:spcBef>
+                <a:spcPts val="848"/>
               </a:spcBef>
               <a:buClr>
                 <a:srgbClr val="000000"/>
@@ -1665,7 +1667,7 @@
               <a:buChar char="•"/>
             </a:pPr>
             <a:r>
-              <a:rPr b="0" lang="en-US" sz="3200" spc="-1" strike="noStrike">
+              <a:rPr b="0" lang="en-US" sz="2400" spc="-1" strike="noStrike">
                 <a:solidFill>
                   <a:srgbClr val="000000"/>
                 </a:solidFill>
@@ -1673,17 +1675,17 @@
               </a:rPr>
               <a:t>Third Outline Level</a:t>
             </a:r>
-            <a:endParaRPr b="0" lang="en-US" sz="3200" spc="-1" strike="noStrike">
-              <a:solidFill>
-                <a:srgbClr val="000000"/>
-              </a:solidFill>
-              <a:latin typeface="Arial"/>
-            </a:endParaRPr>
-          </a:p>
-          <a:p>
-            <a:pPr lvl="3" marL="342720" indent="-342720">
-              <a:spcBef>
-                <a:spcPts val="1423"/>
+            <a:endParaRPr b="0" lang="en-US" sz="2400" spc="-1" strike="noStrike">
+              <a:solidFill>
+                <a:srgbClr val="000000"/>
+              </a:solidFill>
+              <a:latin typeface="Arial"/>
+            </a:endParaRPr>
+          </a:p>
+          <a:p>
+            <a:pPr lvl="3" marL="1600200" indent="-228600">
+              <a:spcBef>
+                <a:spcPts val="573"/>
               </a:spcBef>
               <a:buClr>
                 <a:srgbClr val="000000"/>
@@ -1692,7 +1694,7 @@
               <a:buChar char="–"/>
             </a:pPr>
             <a:r>
-              <a:rPr b="0" lang="en-US" sz="3200" spc="-1" strike="noStrike">
+              <a:rPr b="0" lang="en-US" sz="2000" spc="-1" strike="noStrike">
                 <a:solidFill>
                   <a:srgbClr val="000000"/>
                 </a:solidFill>
@@ -1700,17 +1702,17 @@
               </a:rPr>
               <a:t>Fourth Outline Level</a:t>
             </a:r>
-            <a:endParaRPr b="0" lang="en-US" sz="3200" spc="-1" strike="noStrike">
-              <a:solidFill>
-                <a:srgbClr val="000000"/>
-              </a:solidFill>
-              <a:latin typeface="Arial"/>
-            </a:endParaRPr>
-          </a:p>
-          <a:p>
-            <a:pPr lvl="4" marL="342720" indent="-342720">
-              <a:spcBef>
-                <a:spcPts val="1423"/>
+            <a:endParaRPr b="0" lang="en-US" sz="2000" spc="-1" strike="noStrike">
+              <a:solidFill>
+                <a:srgbClr val="000000"/>
+              </a:solidFill>
+              <a:latin typeface="Arial"/>
+            </a:endParaRPr>
+          </a:p>
+          <a:p>
+            <a:pPr lvl="4" marL="2057400" indent="-228600">
+              <a:spcBef>
+                <a:spcPts val="286"/>
               </a:spcBef>
               <a:buClr>
                 <a:srgbClr val="000000"/>
@@ -1719,7 +1721,7 @@
               <a:buChar char="»"/>
             </a:pPr>
             <a:r>
-              <a:rPr b="0" lang="en-US" sz="3200" spc="-1" strike="noStrike">
+              <a:rPr b="0" lang="en-US" sz="2000" spc="-1" strike="noStrike">
                 <a:solidFill>
                   <a:srgbClr val="000000"/>
                 </a:solidFill>
@@ -1727,17 +1729,17 @@
               </a:rPr>
               <a:t>Fifth Outline Level</a:t>
             </a:r>
-            <a:endParaRPr b="0" lang="en-US" sz="3200" spc="-1" strike="noStrike">
-              <a:solidFill>
-                <a:srgbClr val="000000"/>
-              </a:solidFill>
-              <a:latin typeface="Arial"/>
-            </a:endParaRPr>
-          </a:p>
-          <a:p>
-            <a:pPr lvl="5" marL="342720" indent="-342720">
-              <a:spcBef>
-                <a:spcPts val="1423"/>
+            <a:endParaRPr b="0" lang="en-US" sz="2000" spc="-1" strike="noStrike">
+              <a:solidFill>
+                <a:srgbClr val="000000"/>
+              </a:solidFill>
+              <a:latin typeface="Arial"/>
+            </a:endParaRPr>
+          </a:p>
+          <a:p>
+            <a:pPr lvl="5" marL="2057400" indent="-228600">
+              <a:spcBef>
+                <a:spcPts val="286"/>
               </a:spcBef>
               <a:buClr>
                 <a:srgbClr val="000000"/>
@@ -1746,7 +1748,7 @@
               <a:buChar char="»"/>
             </a:pPr>
             <a:r>
-              <a:rPr b="0" lang="en-US" sz="3200" spc="-1" strike="noStrike">
+              <a:rPr b="0" lang="en-US" sz="2000" spc="-1" strike="noStrike">
                 <a:solidFill>
                   <a:srgbClr val="000000"/>
                 </a:solidFill>
@@ -1754,17 +1756,17 @@
               </a:rPr>
               <a:t>Sixth Outline Level</a:t>
             </a:r>
-            <a:endParaRPr b="0" lang="en-US" sz="3200" spc="-1" strike="noStrike">
-              <a:solidFill>
-                <a:srgbClr val="000000"/>
-              </a:solidFill>
-              <a:latin typeface="Arial"/>
-            </a:endParaRPr>
-          </a:p>
-          <a:p>
-            <a:pPr lvl="6" marL="342720" indent="-342720">
-              <a:spcBef>
-                <a:spcPts val="1423"/>
+            <a:endParaRPr b="0" lang="en-US" sz="2000" spc="-1" strike="noStrike">
+              <a:solidFill>
+                <a:srgbClr val="000000"/>
+              </a:solidFill>
+              <a:latin typeface="Arial"/>
+            </a:endParaRPr>
+          </a:p>
+          <a:p>
+            <a:pPr lvl="6" marL="2057400" indent="-228600">
+              <a:spcBef>
+                <a:spcPts val="286"/>
               </a:spcBef>
               <a:buClr>
                 <a:srgbClr val="000000"/>
@@ -1773,7 +1775,7 @@
               <a:buChar char="»"/>
             </a:pPr>
             <a:r>
-              <a:rPr b="0" lang="en-US" sz="3200" spc="-1" strike="noStrike">
+              <a:rPr b="0" lang="en-US" sz="2000" spc="-1" strike="noStrike">
                 <a:solidFill>
                   <a:srgbClr val="000000"/>
                 </a:solidFill>
@@ -1781,7 +1783,7 @@
               </a:rPr>
               <a:t>Seventh Outline Level</a:t>
             </a:r>
-            <a:endParaRPr b="0" lang="en-US" sz="3200" spc="-1" strike="noStrike">
+            <a:endParaRPr b="0" lang="en-US" sz="2000" spc="-1" strike="noStrike">
               <a:solidFill>
                 <a:srgbClr val="000000"/>
               </a:solidFill>
@@ -1915,7 +1917,7 @@
                 <a:spcPct val="93000"/>
               </a:lnSpc>
             </a:pPr>
-            <a:fld id="{107C18C1-511D-4CF6-8391-214BDA794F45}" type="slidenum">
+            <a:fld id="{7E410EB3-CB20-495A-A2FB-804BDDB786AD}" type="slidenum">
               <a:rPr b="0" lang="en-US" sz="1400" spc="-1" strike="noStrike">
                 <a:solidFill>
                   <a:srgbClr val="000000"/>
@@ -7848,6 +7850,245 @@
                 <a:latin typeface="Arial"/>
               </a:rPr>
               <a:t>Kryptographic Music</a:t>
+            </a:r>
+            <a:endParaRPr b="0" lang="en-US" sz="3200" spc="-1" strike="noStrike">
+              <a:solidFill>
+                <a:srgbClr val="000000"/>
+              </a:solidFill>
+              <a:latin typeface="Arial"/>
+            </a:endParaRPr>
+          </a:p>
+        </p:txBody>
+      </p:sp>
+    </p:spTree>
+  </p:cSld>
+</p:sld>
+</file>
+
+<file path=ppt/slides/slide40.xml><?xml version="1.0" encoding="utf-8"?>
+<p:sld xmlns:a="http://schemas.openxmlformats.org/drawingml/2006/main" xmlns:p="http://schemas.openxmlformats.org/presentationml/2006/main" xmlns:r="http://schemas.openxmlformats.org/officeDocument/2006/relationships" xmlns:p14="http://schemas.microsoft.com/office/powerpoint/2010/main" xmlns:p15="http://schemas.microsoft.com/office/powerpoint/2012/main" xmlns:mc="http://schemas.openxmlformats.org/markup-compatibility/2006">
+  <p:cSld>
+    <p:spTree>
+      <p:nvGrpSpPr>
+        <p:cNvPr id="1" name=""/>
+        <p:cNvGrpSpPr/>
+        <p:nvPr/>
+      </p:nvGrpSpPr>
+      <p:grpSpPr>
+        <a:xfrm>
+          <a:off x="0" y="0"/>
+          <a:ext cx="0" cy="0"/>
+          <a:chOff x="0" y="0"/>
+          <a:chExt cx="0" cy="0"/>
+        </a:xfrm>
+      </p:grpSpPr>
+      <p:sp>
+        <p:nvSpPr>
+          <p:cNvPr id="119" name="TextShape 1"/>
+          <p:cNvSpPr txBox="1"/>
+          <p:nvPr/>
+        </p:nvSpPr>
+        <p:spPr>
+          <a:xfrm>
+            <a:off x="503280" y="225000"/>
+            <a:ext cx="9026640" cy="901800"/>
+          </a:xfrm>
+          <a:prstGeom prst="rect">
+            <a:avLst/>
+          </a:prstGeom>
+          <a:noFill/>
+          <a:ln>
+            <a:noFill/>
+          </a:ln>
+        </p:spPr>
+        <p:txBody>
+          <a:bodyPr lIns="0" rIns="0" tIns="0" bIns="0" anchor="ctr">
+            <a:spAutoFit/>
+          </a:bodyPr>
+          <a:p>
+            <a:pPr algn="ctr"/>
+            <a:r>
+              <a:rPr b="0" lang="en-US" sz="4400" spc="-1" strike="noStrike">
+                <a:solidFill>
+                  <a:srgbClr val="000000"/>
+                </a:solidFill>
+                <a:latin typeface="Arial"/>
+              </a:rPr>
+              <a:t> </a:t>
+            </a:r>
+            <a:endParaRPr b="0" lang="en-US" sz="4400" spc="-1" strike="noStrike">
+              <a:solidFill>
+                <a:srgbClr val="000000"/>
+              </a:solidFill>
+              <a:latin typeface="Arial"/>
+            </a:endParaRPr>
+          </a:p>
+        </p:txBody>
+      </p:sp>
+      <p:sp>
+        <p:nvSpPr>
+          <p:cNvPr id="120" name="TextShape 2"/>
+          <p:cNvSpPr txBox="1"/>
+          <p:nvPr/>
+        </p:nvSpPr>
+        <p:spPr>
+          <a:xfrm>
+            <a:off x="503280" y="1326960"/>
+            <a:ext cx="9026640" cy="3243240"/>
+          </a:xfrm>
+          <a:prstGeom prst="rect">
+            <a:avLst/>
+          </a:prstGeom>
+          <a:noFill/>
+          <a:ln>
+            <a:noFill/>
+          </a:ln>
+        </p:spPr>
+        <p:txBody>
+          <a:bodyPr lIns="0" rIns="0" tIns="28440" bIns="0">
+            <a:normAutofit/>
+          </a:bodyPr>
+          <a:p>
+            <a:pPr marL="342720" indent="-342720">
+              <a:spcBef>
+                <a:spcPts val="1423"/>
+              </a:spcBef>
+            </a:pPr>
+            <a:r>
+              <a:rPr b="0" lang="en-US" sz="3200" spc="-1" strike="noStrike">
+                <a:solidFill>
+                  <a:srgbClr val="000000"/>
+                </a:solidFill>
+                <a:latin typeface="Arial"/>
+              </a:rPr>
+              <a:t> </a:t>
+            </a:r>
+            <a:endParaRPr b="0" lang="en-US" sz="3200" spc="-1" strike="noStrike">
+              <a:solidFill>
+                <a:srgbClr val="000000"/>
+              </a:solidFill>
+              <a:latin typeface="Arial"/>
+            </a:endParaRPr>
+          </a:p>
+        </p:txBody>
+      </p:sp>
+    </p:spTree>
+  </p:cSld>
+</p:sld>
+</file>
+
+<file path=ppt/slides/slide41.xml><?xml version="1.0" encoding="utf-8"?>
+<p:sld xmlns:a="http://schemas.openxmlformats.org/drawingml/2006/main" xmlns:p="http://schemas.openxmlformats.org/presentationml/2006/main" xmlns:r="http://schemas.openxmlformats.org/officeDocument/2006/relationships" xmlns:p14="http://schemas.microsoft.com/office/powerpoint/2010/main" xmlns:p15="http://schemas.microsoft.com/office/powerpoint/2012/main" xmlns:mc="http://schemas.openxmlformats.org/markup-compatibility/2006">
+  <p:cSld>
+    <p:spTree>
+      <p:nvGrpSpPr>
+        <p:cNvPr id="1" name=""/>
+        <p:cNvGrpSpPr/>
+        <p:nvPr/>
+      </p:nvGrpSpPr>
+      <p:grpSpPr>
+        <a:xfrm>
+          <a:off x="0" y="0"/>
+          <a:ext cx="0" cy="0"/>
+          <a:chOff x="0" y="0"/>
+          <a:chExt cx="0" cy="0"/>
+        </a:xfrm>
+      </p:grpSpPr>
+      <p:sp>
+        <p:nvSpPr>
+          <p:cNvPr id="121" name="TextShape 1"/>
+          <p:cNvSpPr txBox="1"/>
+          <p:nvPr/>
+        </p:nvSpPr>
+        <p:spPr>
+          <a:xfrm>
+            <a:off x="503280" y="225000"/>
+            <a:ext cx="9026640" cy="901800"/>
+          </a:xfrm>
+          <a:prstGeom prst="rect">
+            <a:avLst/>
+          </a:prstGeom>
+          <a:noFill/>
+          <a:ln>
+            <a:noFill/>
+          </a:ln>
+        </p:spPr>
+        <p:txBody>
+          <a:bodyPr lIns="0" rIns="0" tIns="0" bIns="0" anchor="ctr">
+            <a:spAutoFit/>
+          </a:bodyPr>
+          <a:p>
+            <a:pPr algn="ctr"/>
+            <a:r>
+              <a:rPr b="0" lang="en-US" sz="4400" spc="-1" strike="noStrike">
+                <a:solidFill>
+                  <a:srgbClr val="000000"/>
+                </a:solidFill>
+                <a:latin typeface="Arial"/>
+              </a:rPr>
+              <a:t>Additional Services </a:t>
+            </a:r>
+            <a:endParaRPr b="0" lang="en-US" sz="4400" spc="-1" strike="noStrike">
+              <a:solidFill>
+                <a:srgbClr val="000000"/>
+              </a:solidFill>
+              <a:latin typeface="Arial"/>
+            </a:endParaRPr>
+          </a:p>
+        </p:txBody>
+      </p:sp>
+      <p:sp>
+        <p:nvSpPr>
+          <p:cNvPr id="122" name="TextShape 2"/>
+          <p:cNvSpPr txBox="1"/>
+          <p:nvPr/>
+        </p:nvSpPr>
+        <p:spPr>
+          <a:xfrm>
+            <a:off x="503280" y="1326960"/>
+            <a:ext cx="9026640" cy="3243240"/>
+          </a:xfrm>
+          <a:prstGeom prst="rect">
+            <a:avLst/>
+          </a:prstGeom>
+          <a:noFill/>
+          <a:ln>
+            <a:noFill/>
+          </a:ln>
+        </p:spPr>
+        <p:txBody>
+          <a:bodyPr lIns="0" rIns="0" tIns="28440" bIns="0">
+            <a:normAutofit/>
+          </a:bodyPr>
+          <a:p>
+            <a:pPr marL="342720" indent="-342720">
+              <a:spcBef>
+                <a:spcPts val="1423"/>
+              </a:spcBef>
+              <a:buClr>
+                <a:srgbClr val="000000"/>
+              </a:buClr>
+              <a:buSzPct val="45000"/>
+              <a:buFont typeface="Wingdings" charset="2"/>
+              <a:buChar char=""/>
+            </a:pPr>
+            <a:r>
+              <a:rPr b="0" lang="en-US" sz="3200" spc="-1" strike="noStrike">
+                <a:solidFill>
+                  <a:srgbClr val="000000"/>
+                </a:solidFill>
+                <a:latin typeface="Arial"/>
+              </a:rPr>
+              <a:t> </a:t>
+            </a:r>
+            <a:r>
+              <a:rPr b="0" lang="en-US" sz="3200" spc="-1" strike="noStrike">
+                <a:solidFill>
+                  <a:srgbClr val="000000"/>
+                </a:solidFill>
+                <a:latin typeface="Arial"/>
+              </a:rPr>
+              <a:t>Cipher design (1-3 months) {depending on the desired security level}</a:t>
             </a:r>
             <a:endParaRPr b="0" lang="en-US" sz="3200" spc="-1" strike="noStrike">
               <a:solidFill>

--- a/KryptoMagick Pitch.pptx
+++ b/KryptoMagick Pitch.pptx
@@ -46,6 +46,8 @@
     <p:sldId id="294" r:id="rId41"/>
     <p:sldId id="295" r:id="rId42"/>
     <p:sldId id="296" r:id="rId43"/>
+    <p:sldId id="297" r:id="rId44"/>
+    <p:sldId id="298" r:id="rId45"/>
   </p:sldIdLst>
   <p:sldSz cx="10080625" cy="5670550"/>
   <p:notesSz cx="7772400" cy="10058400"/>
@@ -1917,7 +1919,7 @@
                 <a:spcPct val="93000"/>
               </a:lnSpc>
             </a:pPr>
-            <a:fld id="{7E410EB3-CB20-495A-A2FB-804BDDB786AD}" type="slidenum">
+            <a:fld id="{38ED4E76-B787-4066-AD93-748C58B8F4E2}" type="slidenum">
               <a:rPr b="0" lang="en-US" sz="1400" spc="-1" strike="noStrike">
                 <a:solidFill>
                   <a:srgbClr val="000000"/>
@@ -2543,15 +2545,6 @@
               </a:rPr>
               <a:t> </a:t>
             </a:r>
-            <a:r>
-              <a:rPr b="0" lang="en-US" sz="4400" spc="-1" strike="noStrike">
-                <a:solidFill>
-                  <a:srgbClr val="000000"/>
-                </a:solidFill>
-                <a:latin typeface="Arial"/>
-              </a:rPr>
-              <a:t>Qualifications</a:t>
-            </a:r>
             <a:endParaRPr b="0" lang="en-US" sz="4400" spc="-1" strike="noStrike">
               <a:solidFill>
                 <a:srgbClr val="000000"/>
@@ -2589,12 +2582,6 @@
               <a:spcBef>
                 <a:spcPts val="1423"/>
               </a:spcBef>
-              <a:buClr>
-                <a:srgbClr val="000000"/>
-              </a:buClr>
-              <a:buSzPct val="45000"/>
-              <a:buFont typeface="Wingdings" charset="2"/>
-              <a:buChar char=""/>
             </a:pPr>
             <a:r>
               <a:rPr b="0" lang="en-US" sz="3200" spc="-1" strike="noStrike">
@@ -2604,52 +2591,6 @@
                 <a:latin typeface="Arial"/>
               </a:rPr>
               <a:t> </a:t>
-            </a:r>
-            <a:r>
-              <a:rPr b="0" lang="en-US" sz="3200" spc="-1" strike="noStrike">
-                <a:solidFill>
-                  <a:srgbClr val="000000"/>
-                </a:solidFill>
-                <a:latin typeface="Arial"/>
-              </a:rPr>
-              <a:t>Technological skills</a:t>
-            </a:r>
-            <a:endParaRPr b="0" lang="en-US" sz="3200" spc="-1" strike="noStrike">
-              <a:solidFill>
-                <a:srgbClr val="000000"/>
-              </a:solidFill>
-              <a:latin typeface="Arial"/>
-            </a:endParaRPr>
-          </a:p>
-          <a:p>
-            <a:pPr marL="342720" indent="-342720">
-              <a:spcBef>
-                <a:spcPts val="1423"/>
-              </a:spcBef>
-              <a:buClr>
-                <a:srgbClr val="000000"/>
-              </a:buClr>
-              <a:buSzPct val="45000"/>
-              <a:buFont typeface="Wingdings" charset="2"/>
-              <a:buChar char=""/>
-            </a:pPr>
-            <a:r>
-              <a:rPr b="0" lang="en-US" sz="3200" spc="-1" strike="noStrike">
-                <a:solidFill>
-                  <a:srgbClr val="000000"/>
-                </a:solidFill>
-                <a:latin typeface="Arial"/>
-              </a:rPr>
-              <a:t> </a:t>
-            </a:r>
-            <a:r>
-              <a:rPr b="0" lang="en-US" sz="3200" spc="-1" strike="noStrike">
-                <a:solidFill>
-                  <a:srgbClr val="000000"/>
-                </a:solidFill>
-                <a:latin typeface="Arial"/>
-              </a:rPr>
-              <a:t>Modular Arithmetic</a:t>
             </a:r>
             <a:endParaRPr b="0" lang="en-US" sz="3200" spc="-1" strike="noStrike">
               <a:solidFill>
@@ -2714,7 +2655,7 @@
                 </a:solidFill>
                 <a:latin typeface="Arial"/>
               </a:rPr>
-              <a:t>Mission</a:t>
+              <a:t> </a:t>
             </a:r>
             <a:endParaRPr b="0" lang="en-US" sz="4400" spc="-1" strike="noStrike">
               <a:solidFill>
@@ -2753,12 +2694,6 @@
               <a:spcBef>
                 <a:spcPts val="1423"/>
               </a:spcBef>
-              <a:buClr>
-                <a:srgbClr val="000000"/>
-              </a:buClr>
-              <a:buSzPct val="45000"/>
-              <a:buFont typeface="Wingdings" charset="2"/>
-              <a:buChar char=""/>
             </a:pPr>
             <a:r>
               <a:rPr b="0" lang="en-US" sz="3200" spc="-1" strike="noStrike">
@@ -2768,52 +2703,6 @@
                 <a:latin typeface="Arial"/>
               </a:rPr>
               <a:t> </a:t>
-            </a:r>
-            <a:r>
-              <a:rPr b="0" lang="en-US" sz="3200" spc="-1" strike="noStrike">
-                <a:solidFill>
-                  <a:srgbClr val="000000"/>
-                </a:solidFill>
-                <a:latin typeface="Arial"/>
-              </a:rPr>
-              <a:t>To research and discover hidden messages in the fabric of existence using ancient methods  </a:t>
-            </a:r>
-            <a:endParaRPr b="0" lang="en-US" sz="3200" spc="-1" strike="noStrike">
-              <a:solidFill>
-                <a:srgbClr val="000000"/>
-              </a:solidFill>
-              <a:latin typeface="Arial"/>
-            </a:endParaRPr>
-          </a:p>
-          <a:p>
-            <a:pPr marL="342720" indent="-342720">
-              <a:spcBef>
-                <a:spcPts val="1423"/>
-              </a:spcBef>
-              <a:buClr>
-                <a:srgbClr val="000000"/>
-              </a:buClr>
-              <a:buSzPct val="45000"/>
-              <a:buFont typeface="Wingdings" charset="2"/>
-              <a:buChar char=""/>
-            </a:pPr>
-            <a:r>
-              <a:rPr b="0" lang="en-US" sz="3200" spc="-1" strike="noStrike">
-                <a:solidFill>
-                  <a:srgbClr val="000000"/>
-                </a:solidFill>
-                <a:latin typeface="Arial"/>
-              </a:rPr>
-              <a:t> </a:t>
-            </a:r>
-            <a:r>
-              <a:rPr b="0" lang="en-US" sz="3200" spc="-1" strike="noStrike">
-                <a:solidFill>
-                  <a:srgbClr val="000000"/>
-                </a:solidFill>
-                <a:latin typeface="Arial"/>
-              </a:rPr>
-              <a:t>To decipher Ancient codes</a:t>
             </a:r>
             <a:endParaRPr b="0" lang="en-US" sz="3200" spc="-1" strike="noStrike">
               <a:solidFill>
@@ -2887,7 +2776,7 @@
                 </a:solidFill>
                 <a:latin typeface="Arial"/>
               </a:rPr>
-              <a:t>Pitch</a:t>
+              <a:t>Qualifications</a:t>
             </a:r>
             <a:endParaRPr b="0" lang="en-US" sz="4400" spc="-1" strike="noStrike">
               <a:solidFill>
@@ -2949,7 +2838,7 @@
                 </a:solidFill>
                 <a:latin typeface="Arial"/>
               </a:rPr>
-              <a:t>KryptoMagick offers the chance to discover the connections between our past, present and nature</a:t>
+              <a:t>Technological and cryptographic skills</a:t>
             </a:r>
             <a:endParaRPr b="0" lang="en-US" sz="3200" spc="-1" strike="noStrike">
               <a:solidFill>
@@ -2986,7 +2875,7 @@
                 </a:solidFill>
                 <a:latin typeface="Arial"/>
               </a:rPr>
-              <a:t>Natural Magick is the key </a:t>
+              <a:t>Modular Arithmetic</a:t>
             </a:r>
             <a:endParaRPr b="0" lang="en-US" sz="3200" spc="-1" strike="noStrike">
               <a:solidFill>
@@ -3051,7 +2940,7 @@
                 </a:solidFill>
                 <a:latin typeface="Arial"/>
               </a:rPr>
-              <a:t>Discoveries</a:t>
+              <a:t>Mission</a:t>
             </a:r>
             <a:endParaRPr b="0" lang="en-US" sz="4400" spc="-1" strike="noStrike">
               <a:solidFill>
@@ -3113,7 +3002,7 @@
                 </a:solidFill>
                 <a:latin typeface="Arial"/>
               </a:rPr>
-              <a:t>Supposed text of A the Moon Goddess</a:t>
+              <a:t>To research and discover hidden messages in the fabric of existence using ancient methods  </a:t>
             </a:r>
             <a:endParaRPr b="0" lang="en-US" sz="3200" spc="-1" strike="noStrike">
               <a:solidFill>
@@ -3150,44 +3039,7 @@
                 </a:solidFill>
                 <a:latin typeface="Arial"/>
               </a:rPr>
-              <a:t>Supposed text of Q the Dream Goddess</a:t>
-            </a:r>
-            <a:endParaRPr b="0" lang="en-US" sz="3200" spc="-1" strike="noStrike">
-              <a:solidFill>
-                <a:srgbClr val="000000"/>
-              </a:solidFill>
-              <a:latin typeface="Arial"/>
-            </a:endParaRPr>
-          </a:p>
-          <a:p>
-            <a:pPr marL="342720" indent="-342720">
-              <a:spcBef>
-                <a:spcPts val="1423"/>
-              </a:spcBef>
-              <a:buClr>
-                <a:srgbClr val="000000"/>
-              </a:buClr>
-              <a:buSzPct val="45000"/>
-              <a:buFont typeface="Wingdings" charset="2"/>
-              <a:buChar char=""/>
-            </a:pPr>
-            <a:r>
-              <a:rPr b="0" lang="en-US" sz="3200" spc="-1" strike="noStrike">
-                <a:solidFill>
-                  <a:srgbClr val="000000"/>
-                </a:solidFill>
-                <a:latin typeface="Arial"/>
-              </a:rPr>
-              <a:t> </a:t>
-            </a:r>
-            <a:r>
-              <a:rPr b="0" lang="en-US" sz="3200" spc="-1" strike="noStrike">
-                <a:solidFill>
-                  <a:srgbClr val="000000"/>
-                </a:solidFill>
-                <a:latin typeface="Arial"/>
-              </a:rPr>
-              <a:t>Supposed additions to the Egyptian Book of the Dead</a:t>
+              <a:t>To decipher Ancient codes</a:t>
             </a:r>
             <a:endParaRPr b="0" lang="en-US" sz="3200" spc="-1" strike="noStrike">
               <a:solidFill>
@@ -3252,7 +3104,16 @@
                 </a:solidFill>
                 <a:latin typeface="Arial"/>
               </a:rPr>
-              <a:t>Egyptian Star Code Generator</a:t>
+              <a:t> </a:t>
+            </a:r>
+            <a:r>
+              <a:rPr b="0" lang="en-US" sz="4400" spc="-1" strike="noStrike">
+                <a:solidFill>
+                  <a:srgbClr val="000000"/>
+                </a:solidFill>
+                <a:latin typeface="Arial"/>
+              </a:rPr>
+              <a:t>Pitch</a:t>
             </a:r>
             <a:endParaRPr b="0" lang="en-US" sz="4400" spc="-1" strike="noStrike">
               <a:solidFill>
@@ -3314,7 +3175,44 @@
                 </a:solidFill>
                 <a:latin typeface="Arial"/>
               </a:rPr>
-              <a:t>An algorithm to map the stars in the sky</a:t>
+              <a:t>KryptoMagick offers the chance to discover the connections between our past, present and nature</a:t>
+            </a:r>
+            <a:endParaRPr b="0" lang="en-US" sz="3200" spc="-1" strike="noStrike">
+              <a:solidFill>
+                <a:srgbClr val="000000"/>
+              </a:solidFill>
+              <a:latin typeface="Arial"/>
+            </a:endParaRPr>
+          </a:p>
+          <a:p>
+            <a:pPr marL="342720" indent="-342720">
+              <a:spcBef>
+                <a:spcPts val="1423"/>
+              </a:spcBef>
+              <a:buClr>
+                <a:srgbClr val="000000"/>
+              </a:buClr>
+              <a:buSzPct val="45000"/>
+              <a:buFont typeface="Wingdings" charset="2"/>
+              <a:buChar char=""/>
+            </a:pPr>
+            <a:r>
+              <a:rPr b="0" lang="en-US" sz="3200" spc="-1" strike="noStrike">
+                <a:solidFill>
+                  <a:srgbClr val="000000"/>
+                </a:solidFill>
+                <a:latin typeface="Arial"/>
+              </a:rPr>
+              <a:t> </a:t>
+            </a:r>
+            <a:r>
+              <a:rPr b="0" lang="en-US" sz="3200" spc="-1" strike="noStrike">
+                <a:solidFill>
+                  <a:srgbClr val="000000"/>
+                </a:solidFill>
+                <a:latin typeface="Arial"/>
+              </a:rPr>
+              <a:t>Natural Magick is the key </a:t>
             </a:r>
             <a:endParaRPr b="0" lang="en-US" sz="3200" spc="-1" strike="noStrike">
               <a:solidFill>
@@ -3379,7 +3277,7 @@
                 </a:solidFill>
                 <a:latin typeface="Arial"/>
               </a:rPr>
-              <a:t>Book of Mormon Cryptanalysis Tool</a:t>
+              <a:t>Discoveries</a:t>
             </a:r>
             <a:endParaRPr b="0" lang="en-US" sz="4400" spc="-1" strike="noStrike">
               <a:solidFill>
@@ -3441,7 +3339,7 @@
                 </a:solidFill>
                 <a:latin typeface="Arial"/>
               </a:rPr>
-              <a:t>A program to unmask the Egyptian history contained within the cipher text of the Mormon text</a:t>
+              <a:t>Supposed text of A the Moon Goddess</a:t>
             </a:r>
             <a:endParaRPr b="0" lang="en-US" sz="3200" spc="-1" strike="noStrike">
               <a:solidFill>
@@ -3478,7 +3376,44 @@
                 </a:solidFill>
                 <a:latin typeface="Arial"/>
               </a:rPr>
-              <a:t>2 Nephi Chapter 25:1</a:t>
+              <a:t>Supposed text of Q the Dream Goddess</a:t>
+            </a:r>
+            <a:endParaRPr b="0" lang="en-US" sz="3200" spc="-1" strike="noStrike">
+              <a:solidFill>
+                <a:srgbClr val="000000"/>
+              </a:solidFill>
+              <a:latin typeface="Arial"/>
+            </a:endParaRPr>
+          </a:p>
+          <a:p>
+            <a:pPr marL="342720" indent="-342720">
+              <a:spcBef>
+                <a:spcPts val="1423"/>
+              </a:spcBef>
+              <a:buClr>
+                <a:srgbClr val="000000"/>
+              </a:buClr>
+              <a:buSzPct val="45000"/>
+              <a:buFont typeface="Wingdings" charset="2"/>
+              <a:buChar char=""/>
+            </a:pPr>
+            <a:r>
+              <a:rPr b="0" lang="en-US" sz="3200" spc="-1" strike="noStrike">
+                <a:solidFill>
+                  <a:srgbClr val="000000"/>
+                </a:solidFill>
+                <a:latin typeface="Arial"/>
+              </a:rPr>
+              <a:t> </a:t>
+            </a:r>
+            <a:r>
+              <a:rPr b="0" lang="en-US" sz="3200" spc="-1" strike="noStrike">
+                <a:solidFill>
+                  <a:srgbClr val="000000"/>
+                </a:solidFill>
+                <a:latin typeface="Arial"/>
+              </a:rPr>
+              <a:t>Supposed additions to the Egyptian Book of the Dead</a:t>
             </a:r>
             <a:endParaRPr b="0" lang="en-US" sz="3200" spc="-1" strike="noStrike">
               <a:solidFill>
@@ -3781,7 +3716,7 @@
                 </a:solidFill>
                 <a:latin typeface="Arial"/>
               </a:rPr>
-              <a:t>Slip Public Key Algorithm</a:t>
+              <a:t>Egyptian Star Code Generator</a:t>
             </a:r>
             <a:endParaRPr b="0" lang="en-US" sz="4400" spc="-1" strike="noStrike">
               <a:solidFill>
@@ -3843,7 +3778,7 @@
                 </a:solidFill>
                 <a:latin typeface="Arial"/>
               </a:rPr>
-              <a:t>Introduction of the concept of the Secret Modulus</a:t>
+              <a:t>An algorithm to map the stars in the sky</a:t>
             </a:r>
             <a:endParaRPr b="0" lang="en-US" sz="3200" spc="-1" strike="noStrike">
               <a:solidFill>
@@ -3908,7 +3843,7 @@
                 </a:solidFill>
                 <a:latin typeface="Arial"/>
               </a:rPr>
-              <a:t>Q’loQ Public Key Algorithm</a:t>
+              <a:t>Book of Mormon Cryptanalysis Tool</a:t>
             </a:r>
             <a:endParaRPr b="0" lang="en-US" sz="4400" spc="-1" strike="noStrike">
               <a:solidFill>
@@ -3970,7 +3905,44 @@
                 </a:solidFill>
                 <a:latin typeface="Arial"/>
               </a:rPr>
-              <a:t>Introduction of the Modulus and the Mask</a:t>
+              <a:t>A program to unmask the Egyptian history contained within the cipher text of the Mormon text</a:t>
+            </a:r>
+            <a:endParaRPr b="0" lang="en-US" sz="3200" spc="-1" strike="noStrike">
+              <a:solidFill>
+                <a:srgbClr val="000000"/>
+              </a:solidFill>
+              <a:latin typeface="Arial"/>
+            </a:endParaRPr>
+          </a:p>
+          <a:p>
+            <a:pPr marL="342720" indent="-342720">
+              <a:spcBef>
+                <a:spcPts val="1423"/>
+              </a:spcBef>
+              <a:buClr>
+                <a:srgbClr val="000000"/>
+              </a:buClr>
+              <a:buSzPct val="45000"/>
+              <a:buFont typeface="Wingdings" charset="2"/>
+              <a:buChar char=""/>
+            </a:pPr>
+            <a:r>
+              <a:rPr b="0" lang="en-US" sz="3200" spc="-1" strike="noStrike">
+                <a:solidFill>
+                  <a:srgbClr val="000000"/>
+                </a:solidFill>
+                <a:latin typeface="Arial"/>
+              </a:rPr>
+              <a:t> </a:t>
+            </a:r>
+            <a:r>
+              <a:rPr b="0" lang="en-US" sz="3200" spc="-1" strike="noStrike">
+                <a:solidFill>
+                  <a:srgbClr val="000000"/>
+                </a:solidFill>
+                <a:latin typeface="Arial"/>
+              </a:rPr>
+              <a:t>2 Nephi Chapter 25:1</a:t>
             </a:r>
             <a:endParaRPr b="0" lang="en-US" sz="3200" spc="-1" strike="noStrike">
               <a:solidFill>
@@ -4035,7 +4007,7 @@
                 </a:solidFill>
                 <a:latin typeface="Arial"/>
               </a:rPr>
-              <a:t>Cube Card Cipher</a:t>
+              <a:t>Slip Public Key Algorithm</a:t>
             </a:r>
             <a:endParaRPr b="0" lang="en-US" sz="4400" spc="-1" strike="noStrike">
               <a:solidFill>
@@ -4097,7 +4069,7 @@
                 </a:solidFill>
                 <a:latin typeface="Arial"/>
               </a:rPr>
-              <a:t>Card Cipher resembling ciphering machines of the past</a:t>
+              <a:t>Introduction of the concept of the Secret Modulus</a:t>
             </a:r>
             <a:endParaRPr b="0" lang="en-US" sz="3200" spc="-1" strike="noStrike">
               <a:solidFill>
@@ -4116,13 +4088,6 @@
 <file path=ppt/slides/slide23.xml><?xml version="1.0" encoding="utf-8"?>
 <p:sld xmlns:a="http://schemas.openxmlformats.org/drawingml/2006/main" xmlns:p="http://schemas.openxmlformats.org/presentationml/2006/main" xmlns:r="http://schemas.openxmlformats.org/officeDocument/2006/relationships" xmlns:p14="http://schemas.microsoft.com/office/powerpoint/2010/main" xmlns:p15="http://schemas.microsoft.com/office/powerpoint/2012/main" xmlns:mc="http://schemas.openxmlformats.org/markup-compatibility/2006">
   <p:cSld>
-    <p:bg>
-      <p:bgPr>
-        <a:solidFill>
-          <a:srgbClr val="ffffff"/>
-        </a:solidFill>
-      </p:bgPr>
-    </p:bg>
     <p:spTree>
       <p:nvGrpSpPr>
         <p:cNvPr id="1" name=""/>
@@ -4145,8 +4110,8 @@
         </p:nvSpPr>
         <p:spPr>
           <a:xfrm>
-            <a:off x="502920" y="225360"/>
-            <a:ext cx="9070920" cy="946080"/>
+            <a:off x="503280" y="225000"/>
+            <a:ext cx="9026640" cy="901800"/>
           </a:xfrm>
           <a:prstGeom prst="rect">
             <a:avLst/>
@@ -4157,15 +4122,11 @@
           </a:ln>
         </p:spPr>
         <p:txBody>
-          <a:bodyPr lIns="0" rIns="0" tIns="39240" bIns="0" anchor="ctr">
-            <a:noAutofit/>
-          </a:bodyPr>
-          <a:p>
-            <a:pPr algn="ctr">
-              <a:lnSpc>
-                <a:spcPct val="93000"/>
-              </a:lnSpc>
-            </a:pPr>
+          <a:bodyPr lIns="0" rIns="0" tIns="0" bIns="0" anchor="ctr">
+            <a:spAutoFit/>
+          </a:bodyPr>
+          <a:p>
+            <a:pPr algn="ctr"/>
             <a:r>
               <a:rPr b="0" lang="en-US" sz="4400" spc="-1" strike="noStrike">
                 <a:solidFill>
@@ -4173,7 +4134,7 @@
                 </a:solidFill>
                 <a:latin typeface="Arial"/>
               </a:rPr>
-              <a:t>DarkCastle</a:t>
+              <a:t>Q’loQ Public Key Algorithm</a:t>
             </a:r>
             <a:endParaRPr b="0" lang="en-US" sz="4400" spc="-1" strike="noStrike">
               <a:solidFill>
@@ -4184,29 +4145,68 @@
           </a:p>
         </p:txBody>
       </p:sp>
-      <p:pic>
-        <p:nvPicPr>
-          <p:cNvPr id="86" name="" descr=""/>
-          <p:cNvPicPr/>
+      <p:sp>
+        <p:nvSpPr>
+          <p:cNvPr id="86" name="TextShape 2"/>
+          <p:cNvSpPr txBox="1"/>
           <p:nvPr/>
-        </p:nvPicPr>
-        <p:blipFill>
-          <a:blip r:embed="rId1"/>
-          <a:stretch/>
-        </p:blipFill>
-        <p:spPr>
-          <a:xfrm>
-            <a:off x="2427120" y="1279440"/>
-            <a:ext cx="5254920" cy="3932280"/>
-          </a:xfrm>
-          <a:prstGeom prst="rect">
-            <a:avLst/>
-          </a:prstGeom>
+        </p:nvSpPr>
+        <p:spPr>
+          <a:xfrm>
+            <a:off x="503280" y="1326960"/>
+            <a:ext cx="9026640" cy="3243240"/>
+          </a:xfrm>
+          <a:prstGeom prst="rect">
+            <a:avLst/>
+          </a:prstGeom>
+          <a:noFill/>
           <a:ln>
             <a:noFill/>
           </a:ln>
         </p:spPr>
-      </p:pic>
+        <p:txBody>
+          <a:bodyPr lIns="0" rIns="0" tIns="28440" bIns="0">
+            <a:normAutofit/>
+          </a:bodyPr>
+          <a:p>
+            <a:pPr marL="342720" indent="-342720">
+              <a:spcBef>
+                <a:spcPts val="1423"/>
+              </a:spcBef>
+              <a:buClr>
+                <a:srgbClr val="000000"/>
+              </a:buClr>
+              <a:buSzPct val="45000"/>
+              <a:buFont typeface="Wingdings" charset="2"/>
+              <a:buChar char=""/>
+            </a:pPr>
+            <a:r>
+              <a:rPr b="0" lang="en-US" sz="3200" spc="-1" strike="noStrike">
+                <a:solidFill>
+                  <a:srgbClr val="000000"/>
+                </a:solidFill>
+                <a:latin typeface="Arial"/>
+              </a:rPr>
+              <a:t> </a:t>
+            </a:r>
+            <a:r>
+              <a:rPr b="0" lang="en-US" sz="3200" spc="-1" strike="noStrike">
+                <a:solidFill>
+                  <a:srgbClr val="000000"/>
+                </a:solidFill>
+                <a:latin typeface="Arial"/>
+              </a:rPr>
+              <a:t>Introduction of the Modulus and the Mask</a:t>
+            </a:r>
+            <a:endParaRPr b="0" lang="en-US" sz="3200" spc="-1" strike="noStrike">
+              <a:solidFill>
+                <a:srgbClr val="000000"/>
+              </a:solidFill>
+              <a:latin typeface="Arial"/>
+            </a:endParaRPr>
+          </a:p>
+        </p:txBody>
+      </p:sp>
     </p:spTree>
   </p:cSld>
 </p:sld>
@@ -4215,13 +4215,6 @@
 <file path=ppt/slides/slide24.xml><?xml version="1.0" encoding="utf-8"?>
 <p:sld xmlns:a="http://schemas.openxmlformats.org/drawingml/2006/main" xmlns:p="http://schemas.openxmlformats.org/presentationml/2006/main" xmlns:r="http://schemas.openxmlformats.org/officeDocument/2006/relationships" xmlns:p14="http://schemas.microsoft.com/office/powerpoint/2010/main" xmlns:p15="http://schemas.microsoft.com/office/powerpoint/2012/main" xmlns:mc="http://schemas.openxmlformats.org/markup-compatibility/2006">
   <p:cSld>
-    <p:bg>
-      <p:bgPr>
-        <a:solidFill>
-          <a:srgbClr val="ffffff"/>
-        </a:solidFill>
-      </p:bgPr>
-    </p:bg>
     <p:spTree>
       <p:nvGrpSpPr>
         <p:cNvPr id="1" name=""/>
@@ -4244,8 +4237,8 @@
         </p:nvSpPr>
         <p:spPr>
           <a:xfrm>
-            <a:off x="502920" y="225360"/>
-            <a:ext cx="9070920" cy="946080"/>
+            <a:off x="503280" y="225000"/>
+            <a:ext cx="9026640" cy="901800"/>
           </a:xfrm>
           <a:prstGeom prst="rect">
             <a:avLst/>
@@ -4256,15 +4249,11 @@
           </a:ln>
         </p:spPr>
         <p:txBody>
-          <a:bodyPr lIns="0" rIns="0" tIns="39240" bIns="0" anchor="ctr">
-            <a:noAutofit/>
-          </a:bodyPr>
-          <a:p>
-            <a:pPr algn="ctr">
-              <a:lnSpc>
-                <a:spcPct val="93000"/>
-              </a:lnSpc>
-            </a:pPr>
+          <a:bodyPr lIns="0" rIns="0" tIns="0" bIns="0" anchor="ctr">
+            <a:spAutoFit/>
+          </a:bodyPr>
+          <a:p>
+            <a:pPr algn="ctr"/>
             <a:r>
               <a:rPr b="0" lang="en-US" sz="4400" spc="-1" strike="noStrike">
                 <a:solidFill>
@@ -4272,7 +4261,7 @@
                 </a:solidFill>
                 <a:latin typeface="Arial"/>
               </a:rPr>
-              <a:t>DarkCastle</a:t>
+              <a:t>Cube Card Cipher</a:t>
             </a:r>
             <a:endParaRPr b="0" lang="en-US" sz="4400" spc="-1" strike="noStrike">
               <a:solidFill>
@@ -4291,8 +4280,8 @@
         </p:nvSpPr>
         <p:spPr>
           <a:xfrm>
-            <a:off x="502920" y="1327320"/>
-            <a:ext cx="9070920" cy="3287520"/>
+            <a:off x="503280" y="1326960"/>
+            <a:ext cx="9026640" cy="3243240"/>
           </a:xfrm>
           <a:prstGeom prst="rect">
             <a:avLst/>
@@ -4303,23 +4292,38 @@
           </a:ln>
         </p:spPr>
         <p:txBody>
-          <a:bodyPr lIns="0" rIns="0" tIns="28440" bIns="0" anchor="ctr">
-            <a:noAutofit/>
-          </a:bodyPr>
-          <a:p>
-            <a:pPr algn="ctr">
-              <a:lnSpc>
-                <a:spcPct val="93000"/>
-              </a:lnSpc>
-            </a:pPr>
-            <a:r>
-              <a:rPr b="0" lang="en-US" sz="3200" spc="-1" strike="noStrike">
-                <a:solidFill>
-                  <a:srgbClr val="000000"/>
-                </a:solidFill>
-                <a:latin typeface="Arial"/>
-              </a:rPr>
-              <a:t>File Encryption Program</a:t>
+          <a:bodyPr lIns="0" rIns="0" tIns="28440" bIns="0">
+            <a:normAutofit/>
+          </a:bodyPr>
+          <a:p>
+            <a:pPr marL="342720" indent="-342720">
+              <a:spcBef>
+                <a:spcPts val="1423"/>
+              </a:spcBef>
+              <a:buClr>
+                <a:srgbClr val="000000"/>
+              </a:buClr>
+              <a:buSzPct val="45000"/>
+              <a:buFont typeface="Wingdings" charset="2"/>
+              <a:buChar char=""/>
+            </a:pPr>
+            <a:r>
+              <a:rPr b="0" lang="en-US" sz="3200" spc="-1" strike="noStrike">
+                <a:solidFill>
+                  <a:srgbClr val="000000"/>
+                </a:solidFill>
+                <a:latin typeface="Arial"/>
+              </a:rPr>
+              <a:t> </a:t>
+            </a:r>
+            <a:r>
+              <a:rPr b="0" lang="en-US" sz="3200" spc="-1" strike="noStrike">
+                <a:solidFill>
+                  <a:srgbClr val="000000"/>
+                </a:solidFill>
+                <a:latin typeface="Arial"/>
+              </a:rPr>
+              <a:t>Card Cipher resembling ciphering machines of the past</a:t>
             </a:r>
             <a:endParaRPr b="0" lang="en-US" sz="3200" spc="-1" strike="noStrike">
               <a:solidFill>
@@ -4367,8 +4371,8 @@
         </p:nvSpPr>
         <p:spPr>
           <a:xfrm>
-            <a:off x="503280" y="225000"/>
-            <a:ext cx="9036000" cy="911160"/>
+            <a:off x="502920" y="225360"/>
+            <a:ext cx="9070920" cy="946080"/>
           </a:xfrm>
           <a:prstGeom prst="rect">
             <a:avLst/>
@@ -4379,11 +4383,15 @@
           </a:ln>
         </p:spPr>
         <p:txBody>
-          <a:bodyPr lIns="0" rIns="0" tIns="0" bIns="0" anchor="ctr">
+          <a:bodyPr lIns="0" rIns="0" tIns="39240" bIns="0" anchor="ctr">
             <a:noAutofit/>
           </a:bodyPr>
           <a:p>
-            <a:pPr algn="ctr"/>
+            <a:pPr algn="ctr">
+              <a:lnSpc>
+                <a:spcPct val="93000"/>
+              </a:lnSpc>
+            </a:pPr>
             <a:r>
               <a:rPr b="0" lang="en-US" sz="4400" spc="-1" strike="noStrike">
                 <a:solidFill>
@@ -4391,7 +4399,7 @@
                 </a:solidFill>
                 <a:latin typeface="Arial"/>
               </a:rPr>
-              <a:t>Application Purpose</a:t>
+              <a:t>DarkCastle</a:t>
             </a:r>
             <a:endParaRPr b="0" lang="en-US" sz="4400" spc="-1" strike="noStrike">
               <a:solidFill>
@@ -4402,124 +4410,29 @@
           </a:p>
         </p:txBody>
       </p:sp>
-      <p:sp>
-        <p:nvSpPr>
-          <p:cNvPr id="90" name="TextShape 2"/>
-          <p:cNvSpPr txBox="1"/>
+      <p:pic>
+        <p:nvPicPr>
+          <p:cNvPr id="90" name="" descr=""/>
+          <p:cNvPicPr/>
           <p:nvPr/>
-        </p:nvSpPr>
-        <p:spPr>
-          <a:xfrm>
-            <a:off x="503280" y="1326960"/>
-            <a:ext cx="9036000" cy="3252600"/>
-          </a:xfrm>
-          <a:prstGeom prst="rect">
-            <a:avLst/>
-          </a:prstGeom>
-          <a:noFill/>
+        </p:nvPicPr>
+        <p:blipFill>
+          <a:blip r:embed="rId1"/>
+          <a:stretch/>
+        </p:blipFill>
+        <p:spPr>
+          <a:xfrm>
+            <a:off x="2427120" y="1279440"/>
+            <a:ext cx="5254920" cy="3932280"/>
+          </a:xfrm>
+          <a:prstGeom prst="rect">
+            <a:avLst/>
+          </a:prstGeom>
           <a:ln>
             <a:noFill/>
           </a:ln>
         </p:spPr>
-        <p:txBody>
-          <a:bodyPr lIns="0" rIns="0" tIns="28440" bIns="0">
-            <a:normAutofit/>
-          </a:bodyPr>
-          <a:p>
-            <a:pPr marL="334800" indent="-334800">
-              <a:spcBef>
-                <a:spcPts val="1423"/>
-              </a:spcBef>
-              <a:buClr>
-                <a:srgbClr val="000000"/>
-              </a:buClr>
-              <a:buSzPct val="45000"/>
-              <a:buFont typeface="Wingdings" charset="2"/>
-              <a:buChar char=""/>
-            </a:pPr>
-            <a:r>
-              <a:rPr b="0" lang="en-US" sz="3200" spc="-1" strike="noStrike">
-                <a:solidFill>
-                  <a:srgbClr val="000000"/>
-                </a:solidFill>
-                <a:latin typeface="Arial"/>
-              </a:rPr>
-              <a:t> </a:t>
-            </a:r>
-            <a:r>
-              <a:rPr b="0" lang="en-US" sz="3200" spc="-1" strike="noStrike">
-                <a:solidFill>
-                  <a:srgbClr val="000000"/>
-                </a:solidFill>
-                <a:latin typeface="Arial"/>
-              </a:rPr>
-              <a:t>To help me learn how to construct cryptographic primitives</a:t>
-            </a:r>
-            <a:endParaRPr b="0" lang="en-US" sz="3200" spc="-1" strike="noStrike">
-              <a:solidFill>
-                <a:srgbClr val="000000"/>
-              </a:solidFill>
-              <a:latin typeface="Arial"/>
-            </a:endParaRPr>
-          </a:p>
-          <a:p>
-            <a:pPr marL="334800" indent="-334800">
-              <a:spcBef>
-                <a:spcPts val="1423"/>
-              </a:spcBef>
-              <a:buClr>
-                <a:srgbClr val="000000"/>
-              </a:buClr>
-              <a:buSzPct val="45000"/>
-              <a:buFont typeface="Wingdings" charset="2"/>
-              <a:buChar char=""/>
-            </a:pPr>
-            <a:r>
-              <a:rPr b="0" lang="en-US" sz="3200" spc="-1" strike="noStrike">
-                <a:solidFill>
-                  <a:srgbClr val="000000"/>
-                </a:solidFill>
-                <a:latin typeface="Arial"/>
-              </a:rPr>
-              <a:t>Provide secure file storage against real world adversaries</a:t>
-            </a:r>
-            <a:endParaRPr b="0" lang="en-US" sz="3200" spc="-1" strike="noStrike">
-              <a:solidFill>
-                <a:srgbClr val="000000"/>
-              </a:solidFill>
-              <a:latin typeface="Arial"/>
-            </a:endParaRPr>
-          </a:p>
-          <a:p>
-            <a:pPr marL="334800" indent="-334800">
-              <a:spcBef>
-                <a:spcPts val="1423"/>
-              </a:spcBef>
-              <a:buClr>
-                <a:srgbClr val="000000"/>
-              </a:buClr>
-              <a:buSzPct val="45000"/>
-              <a:buFont typeface="Wingdings" charset="2"/>
-              <a:buChar char=""/>
-            </a:pPr>
-            <a:r>
-              <a:rPr b="0" lang="en-US" sz="3200" spc="-1" strike="noStrike">
-                <a:solidFill>
-                  <a:srgbClr val="000000"/>
-                </a:solidFill>
-                <a:latin typeface="Arial"/>
-              </a:rPr>
-              <a:t>To allow secure communication between two parties</a:t>
-            </a:r>
-            <a:endParaRPr b="0" lang="en-US" sz="3200" spc="-1" strike="noStrike">
-              <a:solidFill>
-                <a:srgbClr val="000000"/>
-              </a:solidFill>
-              <a:latin typeface="Arial"/>
-            </a:endParaRPr>
-          </a:p>
-        </p:txBody>
-      </p:sp>
+      </p:pic>
     </p:spTree>
   </p:cSld>
 </p:sld>
@@ -4585,7 +4498,7 @@
                 </a:solidFill>
                 <a:latin typeface="Arial"/>
               </a:rPr>
-              <a:t>Design Goals</a:t>
+              <a:t>DarkCastle</a:t>
             </a:r>
             <a:endParaRPr b="0" lang="en-US" sz="4400" spc="-1" strike="noStrike">
               <a:solidFill>
@@ -4616,156 +4529,23 @@
           </a:ln>
         </p:spPr>
         <p:txBody>
-          <a:bodyPr lIns="0" rIns="0" tIns="28440" bIns="0">
-            <a:normAutofit fontScale="91000"/>
-          </a:bodyPr>
-          <a:p>
-            <a:pPr marL="388800" indent="-290520">
+          <a:bodyPr lIns="0" rIns="0" tIns="28440" bIns="0" anchor="ctr">
+            <a:noAutofit/>
+          </a:bodyPr>
+          <a:p>
+            <a:pPr algn="ctr">
               <a:lnSpc>
                 <a:spcPct val="93000"/>
               </a:lnSpc>
-              <a:spcBef>
-                <a:spcPts val="1423"/>
-              </a:spcBef>
-              <a:buClr>
-                <a:srgbClr val="000000"/>
-              </a:buClr>
-              <a:buSzPct val="45000"/>
-              <a:buFont typeface="Wingdings" charset="2"/>
-              <a:buChar char=""/>
-            </a:pPr>
-            <a:r>
-              <a:rPr b="0" lang="en-US" sz="3200" spc="-1" strike="noStrike">
-                <a:solidFill>
-                  <a:srgbClr val="000000"/>
-                </a:solidFill>
-                <a:latin typeface="Arial"/>
-              </a:rPr>
-              <a:t>To resist real world adversaries</a:t>
-            </a:r>
-            <a:endParaRPr b="0" lang="en-US" sz="3200" spc="-1" strike="noStrike">
-              <a:solidFill>
-                <a:srgbClr val="000000"/>
-              </a:solidFill>
-              <a:latin typeface="Arial"/>
-            </a:endParaRPr>
-          </a:p>
-          <a:p>
-            <a:pPr marL="388800" indent="-290520">
-              <a:lnSpc>
-                <a:spcPct val="93000"/>
-              </a:lnSpc>
-              <a:spcBef>
-                <a:spcPts val="1423"/>
-              </a:spcBef>
-              <a:buClr>
-                <a:srgbClr val="000000"/>
-              </a:buClr>
-              <a:buSzPct val="45000"/>
-              <a:buFont typeface="Wingdings" charset="2"/>
-              <a:buChar char=""/>
-            </a:pPr>
-            <a:r>
-              <a:rPr b="0" lang="en-US" sz="3200" spc="-1" strike="noStrike">
-                <a:solidFill>
-                  <a:srgbClr val="000000"/>
-                </a:solidFill>
-                <a:latin typeface="Arial"/>
-              </a:rPr>
-              <a:t>To allow fast file encryption arbitrary file sizes</a:t>
-            </a:r>
-            <a:endParaRPr b="0" lang="en-US" sz="3200" spc="-1" strike="noStrike">
-              <a:solidFill>
-                <a:srgbClr val="000000"/>
-              </a:solidFill>
-              <a:latin typeface="Arial"/>
-            </a:endParaRPr>
-          </a:p>
-          <a:p>
-            <a:pPr marL="388800" indent="-290520">
-              <a:lnSpc>
-                <a:spcPct val="93000"/>
-              </a:lnSpc>
-              <a:spcBef>
-                <a:spcPts val="1423"/>
-              </a:spcBef>
-              <a:buClr>
-                <a:srgbClr val="000000"/>
-              </a:buClr>
-              <a:buSzPct val="45000"/>
-              <a:buFont typeface="Wingdings" charset="2"/>
-              <a:buChar char=""/>
-            </a:pPr>
-            <a:r>
-              <a:rPr b="0" lang="en-US" sz="3200" spc="-1" strike="noStrike">
-                <a:solidFill>
-                  <a:srgbClr val="000000"/>
-                </a:solidFill>
-                <a:latin typeface="Arial"/>
-              </a:rPr>
-              <a:t>To detect tampering of messages</a:t>
-            </a:r>
-            <a:endParaRPr b="0" lang="en-US" sz="3200" spc="-1" strike="noStrike">
-              <a:solidFill>
-                <a:srgbClr val="000000"/>
-              </a:solidFill>
-              <a:latin typeface="Arial"/>
-            </a:endParaRPr>
-          </a:p>
-          <a:p>
-            <a:pPr marL="388800" indent="-290520">
-              <a:lnSpc>
-                <a:spcPct val="93000"/>
-              </a:lnSpc>
-              <a:spcBef>
-                <a:spcPts val="1423"/>
-              </a:spcBef>
-              <a:buClr>
-                <a:srgbClr val="000000"/>
-              </a:buClr>
-              <a:buSzPct val="45000"/>
-              <a:buFont typeface="Wingdings" charset="2"/>
-              <a:buChar char=""/>
-            </a:pPr>
-            <a:r>
-              <a:rPr b="0" lang="en-US" sz="3200" spc="-1" strike="noStrike">
-                <a:solidFill>
-                  <a:srgbClr val="000000"/>
-                </a:solidFill>
-                <a:latin typeface="Arial"/>
-              </a:rPr>
-              <a:t>To offer only Quantum safe key sizes for symmetric key algorithms</a:t>
-            </a:r>
-            <a:endParaRPr b="0" lang="en-US" sz="3200" spc="-1" strike="noStrike">
-              <a:solidFill>
-                <a:srgbClr val="000000"/>
-              </a:solidFill>
-              <a:latin typeface="Arial"/>
-            </a:endParaRPr>
-          </a:p>
-          <a:p>
-            <a:pPr marL="388800" indent="-290520">
-              <a:lnSpc>
-                <a:spcPct val="93000"/>
-              </a:lnSpc>
-              <a:spcBef>
-                <a:spcPts val="1423"/>
-              </a:spcBef>
-              <a:buClr>
-                <a:srgbClr val="000000"/>
-              </a:buClr>
-              <a:buSzPct val="45000"/>
-              <a:buFont typeface="Wingdings" charset="2"/>
-              <a:buChar char=""/>
-            </a:pPr>
-            <a:r>
-              <a:rPr b="0" lang="en-US" sz="3200" spc="-1" strike="noStrike">
-                <a:solidFill>
-                  <a:srgbClr val="000000"/>
-                </a:solidFill>
-                <a:latin typeface="Arial"/>
-              </a:rPr>
-              <a:t>To utilize no external libraries (sigh!)</a:t>
+            </a:pPr>
+            <a:r>
+              <a:rPr b="0" lang="en-US" sz="3200" spc="-1" strike="noStrike">
+                <a:solidFill>
+                  <a:srgbClr val="000000"/>
+                </a:solidFill>
+                <a:latin typeface="Arial"/>
+              </a:rPr>
+              <a:t>File Encryption Program</a:t>
             </a:r>
             <a:endParaRPr b="0" lang="en-US" sz="3200" spc="-1" strike="noStrike">
               <a:solidFill>
@@ -4813,8 +4593,8 @@
         </p:nvSpPr>
         <p:spPr>
           <a:xfrm>
-            <a:off x="502920" y="225360"/>
-            <a:ext cx="9070920" cy="946080"/>
+            <a:off x="503280" y="225000"/>
+            <a:ext cx="9036000" cy="911160"/>
           </a:xfrm>
           <a:prstGeom prst="rect">
             <a:avLst/>
@@ -4825,7 +4605,7 @@
           </a:ln>
         </p:spPr>
         <p:txBody>
-          <a:bodyPr lIns="0" rIns="0" tIns="39240" bIns="0" anchor="ctr">
+          <a:bodyPr lIns="0" rIns="0" tIns="0" bIns="0" anchor="ctr">
             <a:noAutofit/>
           </a:bodyPr>
           <a:p>
@@ -4837,7 +4617,7 @@
                 </a:solidFill>
                 <a:latin typeface="Arial"/>
               </a:rPr>
-              <a:t>Application Features</a:t>
+              <a:t>Application Purpose</a:t>
             </a:r>
             <a:endParaRPr b="0" lang="en-US" sz="4400" spc="-1" strike="noStrike">
               <a:solidFill>
@@ -4856,8 +4636,8 @@
         </p:nvSpPr>
         <p:spPr>
           <a:xfrm>
-            <a:off x="502920" y="1327320"/>
-            <a:ext cx="9070920" cy="3287520"/>
+            <a:off x="503280" y="1326960"/>
+            <a:ext cx="9036000" cy="3252600"/>
           </a:xfrm>
           <a:prstGeom prst="rect">
             <a:avLst/>
@@ -4872,10 +4652,7 @@
             <a:normAutofit/>
           </a:bodyPr>
           <a:p>
-            <a:pPr marL="388800" indent="-290520">
-              <a:lnSpc>
-                <a:spcPct val="93000"/>
-              </a:lnSpc>
+            <a:pPr marL="334800" indent="-334800">
               <a:spcBef>
                 <a:spcPts val="1423"/>
               </a:spcBef>
@@ -4893,20 +4670,26 @@
                 </a:solidFill>
                 <a:latin typeface="Arial"/>
               </a:rPr>
-              <a:t>Secure storage of files or transfer of messages</a:t>
-            </a:r>
-            <a:endParaRPr b="0" lang="en-US" sz="3200" spc="-1" strike="noStrike">
-              <a:solidFill>
-                <a:srgbClr val="000000"/>
-              </a:solidFill>
-              <a:latin typeface="Arial"/>
-            </a:endParaRPr>
-          </a:p>
-          <a:p>
-            <a:pPr marL="388800" indent="-290520">
-              <a:lnSpc>
-                <a:spcPct val="93000"/>
-              </a:lnSpc>
+              <a:t> </a:t>
+            </a:r>
+            <a:r>
+              <a:rPr b="0" lang="en-US" sz="3200" spc="-1" strike="noStrike">
+                <a:solidFill>
+                  <a:srgbClr val="000000"/>
+                </a:solidFill>
+                <a:latin typeface="Arial"/>
+              </a:rPr>
+              <a:t>To help me learn how to construct cryptographic primitives</a:t>
+            </a:r>
+            <a:endParaRPr b="0" lang="en-US" sz="3200" spc="-1" strike="noStrike">
+              <a:solidFill>
+                <a:srgbClr val="000000"/>
+              </a:solidFill>
+              <a:latin typeface="Arial"/>
+            </a:endParaRPr>
+          </a:p>
+          <a:p>
+            <a:pPr marL="334800" indent="-334800">
               <a:spcBef>
                 <a:spcPts val="1423"/>
               </a:spcBef>
@@ -4924,20 +4707,17 @@
                 </a:solidFill>
                 <a:latin typeface="Arial"/>
               </a:rPr>
-              <a:t>Fast file encryption</a:t>
-            </a:r>
-            <a:endParaRPr b="0" lang="en-US" sz="3200" spc="-1" strike="noStrike">
-              <a:solidFill>
-                <a:srgbClr val="000000"/>
-              </a:solidFill>
-              <a:latin typeface="Arial"/>
-            </a:endParaRPr>
-          </a:p>
-          <a:p>
-            <a:pPr marL="388800" indent="-290520">
-              <a:lnSpc>
-                <a:spcPct val="93000"/>
-              </a:lnSpc>
+              <a:t>Provide secure file storage against real world adversaries</a:t>
+            </a:r>
+            <a:endParaRPr b="0" lang="en-US" sz="3200" spc="-1" strike="noStrike">
+              <a:solidFill>
+                <a:srgbClr val="000000"/>
+              </a:solidFill>
+              <a:latin typeface="Arial"/>
+            </a:endParaRPr>
+          </a:p>
+          <a:p>
+            <a:pPr marL="334800" indent="-334800">
               <a:spcBef>
                 <a:spcPts val="1423"/>
               </a:spcBef>
@@ -4955,38 +4735,7 @@
                 </a:solidFill>
                 <a:latin typeface="Arial"/>
               </a:rPr>
-              <a:t>File tampering detection</a:t>
-            </a:r>
-            <a:endParaRPr b="0" lang="en-US" sz="3200" spc="-1" strike="noStrike">
-              <a:solidFill>
-                <a:srgbClr val="000000"/>
-              </a:solidFill>
-              <a:latin typeface="Arial"/>
-            </a:endParaRPr>
-          </a:p>
-          <a:p>
-            <a:pPr marL="388800" indent="-290520">
-              <a:lnSpc>
-                <a:spcPct val="93000"/>
-              </a:lnSpc>
-              <a:spcBef>
-                <a:spcPts val="1423"/>
-              </a:spcBef>
-              <a:buClr>
-                <a:srgbClr val="000000"/>
-              </a:buClr>
-              <a:buSzPct val="45000"/>
-              <a:buFont typeface="Wingdings" charset="2"/>
-              <a:buChar char=""/>
-            </a:pPr>
-            <a:r>
-              <a:rPr b="0" lang="en-US" sz="3200" spc="-1" strike="noStrike">
-                <a:solidFill>
-                  <a:srgbClr val="000000"/>
-                </a:solidFill>
-                <a:latin typeface="Arial"/>
-              </a:rPr>
-              <a:t>Sender/Receiver tampering detection</a:t>
+              <a:t>To allow secure communication between two parties</a:t>
             </a:r>
             <a:endParaRPr b="0" lang="en-US" sz="3200" spc="-1" strike="noStrike">
               <a:solidFill>
@@ -5034,8 +4783,8 @@
         </p:nvSpPr>
         <p:spPr>
           <a:xfrm>
-            <a:off x="503280" y="225000"/>
-            <a:ext cx="9036000" cy="911160"/>
+            <a:off x="502920" y="225360"/>
+            <a:ext cx="9070920" cy="946080"/>
           </a:xfrm>
           <a:prstGeom prst="rect">
             <a:avLst/>
@@ -5046,11 +4795,15 @@
           </a:ln>
         </p:spPr>
         <p:txBody>
-          <a:bodyPr lIns="0" rIns="0" tIns="0" bIns="0" anchor="ctr">
+          <a:bodyPr lIns="0" rIns="0" tIns="39240" bIns="0" anchor="ctr">
             <a:noAutofit/>
           </a:bodyPr>
           <a:p>
-            <a:pPr algn="ctr"/>
+            <a:pPr algn="ctr">
+              <a:lnSpc>
+                <a:spcPct val="93000"/>
+              </a:lnSpc>
+            </a:pPr>
             <a:r>
               <a:rPr b="0" lang="en-US" sz="4400" spc="-1" strike="noStrike">
                 <a:solidFill>
@@ -5058,7 +4811,7 @@
                 </a:solidFill>
                 <a:latin typeface="Arial"/>
               </a:rPr>
-              <a:t>Language/Libraries</a:t>
+              <a:t>Design Goals</a:t>
             </a:r>
             <a:endParaRPr b="0" lang="en-US" sz="4400" spc="-1" strike="noStrike">
               <a:solidFill>
@@ -5077,8 +4830,8 @@
         </p:nvSpPr>
         <p:spPr>
           <a:xfrm>
-            <a:off x="503280" y="1326960"/>
-            <a:ext cx="9036000" cy="3252600"/>
+            <a:off x="502920" y="1327320"/>
+            <a:ext cx="9070920" cy="3287520"/>
           </a:xfrm>
           <a:prstGeom prst="rect">
             <a:avLst/>
@@ -5090,10 +4843,13 @@
         </p:spPr>
         <p:txBody>
           <a:bodyPr lIns="0" rIns="0" tIns="28440" bIns="0">
-            <a:normAutofit/>
-          </a:bodyPr>
-          <a:p>
-            <a:pPr marL="334800" indent="-334800">
+            <a:normAutofit fontScale="91000"/>
+          </a:bodyPr>
+          <a:p>
+            <a:pPr marL="388800" indent="-290520">
+              <a:lnSpc>
+                <a:spcPct val="93000"/>
+              </a:lnSpc>
               <a:spcBef>
                 <a:spcPts val="1423"/>
               </a:spcBef>
@@ -5111,26 +4867,20 @@
                 </a:solidFill>
                 <a:latin typeface="Arial"/>
               </a:rPr>
-              <a:t> </a:t>
-            </a:r>
-            <a:r>
-              <a:rPr b="0" lang="en-US" sz="3200" spc="-1" strike="noStrike">
-                <a:solidFill>
-                  <a:srgbClr val="000000"/>
-                </a:solidFill>
-                <a:latin typeface="Arial"/>
-              </a:rPr>
-              <a:t>Written in C</a:t>
-            </a:r>
-            <a:endParaRPr b="0" lang="en-US" sz="3200" spc="-1" strike="noStrike">
-              <a:solidFill>
-                <a:srgbClr val="000000"/>
-              </a:solidFill>
-              <a:latin typeface="Arial"/>
-            </a:endParaRPr>
-          </a:p>
-          <a:p>
-            <a:pPr marL="334800" indent="-334800">
+              <a:t>To resist real world adversaries</a:t>
+            </a:r>
+            <a:endParaRPr b="0" lang="en-US" sz="3200" spc="-1" strike="noStrike">
+              <a:solidFill>
+                <a:srgbClr val="000000"/>
+              </a:solidFill>
+              <a:latin typeface="Arial"/>
+            </a:endParaRPr>
+          </a:p>
+          <a:p>
+            <a:pPr marL="388800" indent="-290520">
+              <a:lnSpc>
+                <a:spcPct val="93000"/>
+              </a:lnSpc>
               <a:spcBef>
                 <a:spcPts val="1423"/>
               </a:spcBef>
@@ -5148,7 +4898,100 @@
                 </a:solidFill>
                 <a:latin typeface="Arial"/>
               </a:rPr>
-              <a:t>OpenSSL BigNum Library and PRNG used for public key cryptography</a:t>
+              <a:t>To allow fast file encryption arbitrary file sizes</a:t>
+            </a:r>
+            <a:endParaRPr b="0" lang="en-US" sz="3200" spc="-1" strike="noStrike">
+              <a:solidFill>
+                <a:srgbClr val="000000"/>
+              </a:solidFill>
+              <a:latin typeface="Arial"/>
+            </a:endParaRPr>
+          </a:p>
+          <a:p>
+            <a:pPr marL="388800" indent="-290520">
+              <a:lnSpc>
+                <a:spcPct val="93000"/>
+              </a:lnSpc>
+              <a:spcBef>
+                <a:spcPts val="1423"/>
+              </a:spcBef>
+              <a:buClr>
+                <a:srgbClr val="000000"/>
+              </a:buClr>
+              <a:buSzPct val="45000"/>
+              <a:buFont typeface="Wingdings" charset="2"/>
+              <a:buChar char=""/>
+            </a:pPr>
+            <a:r>
+              <a:rPr b="0" lang="en-US" sz="3200" spc="-1" strike="noStrike">
+                <a:solidFill>
+                  <a:srgbClr val="000000"/>
+                </a:solidFill>
+                <a:latin typeface="Arial"/>
+              </a:rPr>
+              <a:t>To detect tampering of messages</a:t>
+            </a:r>
+            <a:endParaRPr b="0" lang="en-US" sz="3200" spc="-1" strike="noStrike">
+              <a:solidFill>
+                <a:srgbClr val="000000"/>
+              </a:solidFill>
+              <a:latin typeface="Arial"/>
+            </a:endParaRPr>
+          </a:p>
+          <a:p>
+            <a:pPr marL="388800" indent="-290520">
+              <a:lnSpc>
+                <a:spcPct val="93000"/>
+              </a:lnSpc>
+              <a:spcBef>
+                <a:spcPts val="1423"/>
+              </a:spcBef>
+              <a:buClr>
+                <a:srgbClr val="000000"/>
+              </a:buClr>
+              <a:buSzPct val="45000"/>
+              <a:buFont typeface="Wingdings" charset="2"/>
+              <a:buChar char=""/>
+            </a:pPr>
+            <a:r>
+              <a:rPr b="0" lang="en-US" sz="3200" spc="-1" strike="noStrike">
+                <a:solidFill>
+                  <a:srgbClr val="000000"/>
+                </a:solidFill>
+                <a:latin typeface="Arial"/>
+              </a:rPr>
+              <a:t>To offer only Quantum safe key sizes for symmetric key algorithms</a:t>
+            </a:r>
+            <a:endParaRPr b="0" lang="en-US" sz="3200" spc="-1" strike="noStrike">
+              <a:solidFill>
+                <a:srgbClr val="000000"/>
+              </a:solidFill>
+              <a:latin typeface="Arial"/>
+            </a:endParaRPr>
+          </a:p>
+          <a:p>
+            <a:pPr marL="388800" indent="-290520">
+              <a:lnSpc>
+                <a:spcPct val="93000"/>
+              </a:lnSpc>
+              <a:spcBef>
+                <a:spcPts val="1423"/>
+              </a:spcBef>
+              <a:buClr>
+                <a:srgbClr val="000000"/>
+              </a:buClr>
+              <a:buSzPct val="45000"/>
+              <a:buFont typeface="Wingdings" charset="2"/>
+              <a:buChar char=""/>
+            </a:pPr>
+            <a:r>
+              <a:rPr b="0" lang="en-US" sz="3200" spc="-1" strike="noStrike">
+                <a:solidFill>
+                  <a:srgbClr val="000000"/>
+                </a:solidFill>
+                <a:latin typeface="Arial"/>
+              </a:rPr>
+              <a:t>To utilize no external libraries (sigh!)</a:t>
             </a:r>
             <a:endParaRPr b="0" lang="en-US" sz="3200" spc="-1" strike="noStrike">
               <a:solidFill>
@@ -5196,8 +5039,8 @@
         </p:nvSpPr>
         <p:spPr>
           <a:xfrm>
-            <a:off x="503280" y="225000"/>
-            <a:ext cx="9066240" cy="941400"/>
+            <a:off x="502920" y="225360"/>
+            <a:ext cx="9070920" cy="946080"/>
           </a:xfrm>
           <a:prstGeom prst="rect">
             <a:avLst/>
@@ -5208,7 +5051,7 @@
           </a:ln>
         </p:spPr>
         <p:txBody>
-          <a:bodyPr lIns="0" rIns="0" tIns="0" bIns="0" anchor="ctr">
+          <a:bodyPr lIns="0" rIns="0" tIns="39240" bIns="0" anchor="ctr">
             <a:noAutofit/>
           </a:bodyPr>
           <a:p>
@@ -5220,7 +5063,7 @@
                 </a:solidFill>
                 <a:latin typeface="Arial"/>
               </a:rPr>
-              <a:t>Project History</a:t>
+              <a:t>Application Features</a:t>
             </a:r>
             <a:endParaRPr b="0" lang="en-US" sz="4400" spc="-1" strike="noStrike">
               <a:solidFill>
@@ -5239,8 +5082,8 @@
         </p:nvSpPr>
         <p:spPr>
           <a:xfrm>
-            <a:off x="503280" y="1326960"/>
-            <a:ext cx="9066240" cy="3282840"/>
+            <a:off x="502920" y="1327320"/>
+            <a:ext cx="9070920" cy="3287520"/>
           </a:xfrm>
           <a:prstGeom prst="rect">
             <a:avLst/>
@@ -5255,7 +5098,10 @@
             <a:normAutofit/>
           </a:bodyPr>
           <a:p>
-            <a:pPr marL="304560" indent="-304560">
+            <a:pPr marL="388800" indent="-290520">
+              <a:lnSpc>
+                <a:spcPct val="93000"/>
+              </a:lnSpc>
               <a:spcBef>
                 <a:spcPts val="1423"/>
               </a:spcBef>
@@ -5273,26 +5119,20 @@
                 </a:solidFill>
                 <a:latin typeface="Arial"/>
               </a:rPr>
-              <a:t> </a:t>
-            </a:r>
-            <a:r>
-              <a:rPr b="0" lang="en-US" sz="3200" spc="-1" strike="noStrike">
-                <a:solidFill>
-                  <a:srgbClr val="000000"/>
-                </a:solidFill>
-                <a:latin typeface="Arial"/>
-              </a:rPr>
-              <a:t>First commit in 2017</a:t>
-            </a:r>
-            <a:endParaRPr b="0" lang="en-US" sz="3200" spc="-1" strike="noStrike">
-              <a:solidFill>
-                <a:srgbClr val="000000"/>
-              </a:solidFill>
-              <a:latin typeface="Arial"/>
-            </a:endParaRPr>
-          </a:p>
-          <a:p>
-            <a:pPr marL="304560" indent="-304560">
+              <a:t>Secure storage of files or transfer of messages</a:t>
+            </a:r>
+            <a:endParaRPr b="0" lang="en-US" sz="3200" spc="-1" strike="noStrike">
+              <a:solidFill>
+                <a:srgbClr val="000000"/>
+              </a:solidFill>
+              <a:latin typeface="Arial"/>
+            </a:endParaRPr>
+          </a:p>
+          <a:p>
+            <a:pPr marL="388800" indent="-290520">
+              <a:lnSpc>
+                <a:spcPct val="93000"/>
+              </a:lnSpc>
               <a:spcBef>
                 <a:spcPts val="1423"/>
               </a:spcBef>
@@ -5310,16 +5150,69 @@
                 </a:solidFill>
                 <a:latin typeface="Arial"/>
               </a:rPr>
-              <a:t> </a:t>
-            </a:r>
-            <a:r>
-              <a:rPr b="0" lang="en-US" sz="3200" spc="-1" strike="noStrike">
-                <a:solidFill>
-                  <a:srgbClr val="000000"/>
-                </a:solidFill>
-                <a:latin typeface="Arial"/>
-              </a:rPr>
-              <a:t>Reached version 1.0 milestone in 2020</a:t>
+              <a:t>Fast file encryption</a:t>
+            </a:r>
+            <a:endParaRPr b="0" lang="en-US" sz="3200" spc="-1" strike="noStrike">
+              <a:solidFill>
+                <a:srgbClr val="000000"/>
+              </a:solidFill>
+              <a:latin typeface="Arial"/>
+            </a:endParaRPr>
+          </a:p>
+          <a:p>
+            <a:pPr marL="388800" indent="-290520">
+              <a:lnSpc>
+                <a:spcPct val="93000"/>
+              </a:lnSpc>
+              <a:spcBef>
+                <a:spcPts val="1423"/>
+              </a:spcBef>
+              <a:buClr>
+                <a:srgbClr val="000000"/>
+              </a:buClr>
+              <a:buSzPct val="45000"/>
+              <a:buFont typeface="Wingdings" charset="2"/>
+              <a:buChar char=""/>
+            </a:pPr>
+            <a:r>
+              <a:rPr b="0" lang="en-US" sz="3200" spc="-1" strike="noStrike">
+                <a:solidFill>
+                  <a:srgbClr val="000000"/>
+                </a:solidFill>
+                <a:latin typeface="Arial"/>
+              </a:rPr>
+              <a:t>File tampering detection</a:t>
+            </a:r>
+            <a:endParaRPr b="0" lang="en-US" sz="3200" spc="-1" strike="noStrike">
+              <a:solidFill>
+                <a:srgbClr val="000000"/>
+              </a:solidFill>
+              <a:latin typeface="Arial"/>
+            </a:endParaRPr>
+          </a:p>
+          <a:p>
+            <a:pPr marL="388800" indent="-290520">
+              <a:lnSpc>
+                <a:spcPct val="93000"/>
+              </a:lnSpc>
+              <a:spcBef>
+                <a:spcPts val="1423"/>
+              </a:spcBef>
+              <a:buClr>
+                <a:srgbClr val="000000"/>
+              </a:buClr>
+              <a:buSzPct val="45000"/>
+              <a:buFont typeface="Wingdings" charset="2"/>
+              <a:buChar char=""/>
+            </a:pPr>
+            <a:r>
+              <a:rPr b="0" lang="en-US" sz="3200" spc="-1" strike="noStrike">
+                <a:solidFill>
+                  <a:srgbClr val="000000"/>
+                </a:solidFill>
+                <a:latin typeface="Arial"/>
+              </a:rPr>
+              <a:t>Sender/Receiver tampering detection</a:t>
             </a:r>
             <a:endParaRPr b="0" lang="en-US" sz="3200" spc="-1" strike="noStrike">
               <a:solidFill>
@@ -5483,7 +5376,7 @@
                 </a:solidFill>
                 <a:latin typeface="Arial"/>
               </a:rPr>
-              <a:t>Book of Mormon Cryptanalysis Tool</a:t>
+              <a:t>Fetu Mathematical System</a:t>
             </a:r>
             <a:endParaRPr b="0" lang="en-US" sz="3200" spc="-1" strike="noStrike">
               <a:solidFill>
@@ -5520,7 +5413,7 @@
                 </a:solidFill>
                 <a:latin typeface="Arial"/>
               </a:rPr>
-              <a:t>Slip Public Key Algorithm</a:t>
+              <a:t>Book of Mormon Cryptanalysis Tool</a:t>
             </a:r>
             <a:endParaRPr b="0" lang="en-US" sz="3200" spc="-1" strike="noStrike">
               <a:solidFill>
@@ -5557,7 +5450,7 @@
                 </a:solidFill>
                 <a:latin typeface="Arial"/>
               </a:rPr>
-              <a:t>Q’loQ Public Key Algorithm</a:t>
+              <a:t>Slip Public Key Algorithm</a:t>
             </a:r>
             <a:endParaRPr b="0" lang="en-US" sz="3200" spc="-1" strike="noStrike">
               <a:solidFill>
@@ -5594,7 +5487,7 @@
                 </a:solidFill>
                 <a:latin typeface="Arial"/>
               </a:rPr>
-              <a:t>Cube Card Cipher</a:t>
+              <a:t>Q’loQ Public Key Algorithm</a:t>
             </a:r>
             <a:endParaRPr b="0" lang="en-US" sz="3200" spc="-1" strike="noStrike">
               <a:solidFill>
@@ -5642,8 +5535,8 @@
         </p:nvSpPr>
         <p:spPr>
           <a:xfrm>
-            <a:off x="502920" y="225360"/>
-            <a:ext cx="9055080" cy="930240"/>
+            <a:off x="503280" y="225000"/>
+            <a:ext cx="9036000" cy="911160"/>
           </a:xfrm>
           <a:prstGeom prst="rect">
             <a:avLst/>
@@ -5666,7 +5559,7 @@
                 </a:solidFill>
                 <a:latin typeface="Arial"/>
               </a:rPr>
-              <a:t>Project Phases</a:t>
+              <a:t>Language/Libraries</a:t>
             </a:r>
             <a:endParaRPr b="0" lang="en-US" sz="4400" spc="-1" strike="noStrike">
               <a:solidFill>
@@ -5685,8 +5578,8 @@
         </p:nvSpPr>
         <p:spPr>
           <a:xfrm>
-            <a:off x="502920" y="1327320"/>
-            <a:ext cx="9055080" cy="3271680"/>
+            <a:off x="503280" y="1326960"/>
+            <a:ext cx="9036000" cy="3252600"/>
           </a:xfrm>
           <a:prstGeom prst="rect">
             <a:avLst/>
@@ -5701,7 +5594,7 @@
             <a:normAutofit/>
           </a:bodyPr>
           <a:p>
-            <a:pPr marL="315720" indent="-315720">
+            <a:pPr marL="334800" indent="-334800">
               <a:spcBef>
                 <a:spcPts val="1423"/>
               </a:spcBef>
@@ -5719,17 +5612,26 @@
                 </a:solidFill>
                 <a:latin typeface="Arial"/>
               </a:rPr>
-              <a:t>Symmetric encryption of files + passphrase</a:t>
-            </a:r>
-            <a:endParaRPr b="0" lang="en-US" sz="3200" spc="-1" strike="noStrike">
-              <a:solidFill>
-                <a:srgbClr val="000000"/>
-              </a:solidFill>
-              <a:latin typeface="Arial"/>
-            </a:endParaRPr>
-          </a:p>
-          <a:p>
-            <a:pPr marL="315720" indent="-315720">
+              <a:t> </a:t>
+            </a:r>
+            <a:r>
+              <a:rPr b="0" lang="en-US" sz="3200" spc="-1" strike="noStrike">
+                <a:solidFill>
+                  <a:srgbClr val="000000"/>
+                </a:solidFill>
+                <a:latin typeface="Arial"/>
+              </a:rPr>
+              <a:t>Written in C</a:t>
+            </a:r>
+            <a:endParaRPr b="0" lang="en-US" sz="3200" spc="-1" strike="noStrike">
+              <a:solidFill>
+                <a:srgbClr val="000000"/>
+              </a:solidFill>
+              <a:latin typeface="Arial"/>
+            </a:endParaRPr>
+          </a:p>
+          <a:p>
+            <a:pPr marL="334800" indent="-334800">
               <a:spcBef>
                 <a:spcPts val="1423"/>
               </a:spcBef>
@@ -5747,35 +5649,7 @@
                 </a:solidFill>
                 <a:latin typeface="Arial"/>
               </a:rPr>
-              <a:t>Symmetric encryption of files + message authentication + passphrase</a:t>
-            </a:r>
-            <a:endParaRPr b="0" lang="en-US" sz="3200" spc="-1" strike="noStrike">
-              <a:solidFill>
-                <a:srgbClr val="000000"/>
-              </a:solidFill>
-              <a:latin typeface="Arial"/>
-            </a:endParaRPr>
-          </a:p>
-          <a:p>
-            <a:pPr marL="315720" indent="-315720">
-              <a:spcBef>
-                <a:spcPts val="1423"/>
-              </a:spcBef>
-              <a:buClr>
-                <a:srgbClr val="000000"/>
-              </a:buClr>
-              <a:buSzPct val="45000"/>
-              <a:buFont typeface="Wingdings" charset="2"/>
-              <a:buChar char=""/>
-            </a:pPr>
-            <a:r>
-              <a:rPr b="0" lang="en-US" sz="3200" spc="-1" strike="noStrike">
-                <a:solidFill>
-                  <a:srgbClr val="000000"/>
-                </a:solidFill>
-                <a:latin typeface="Arial"/>
-              </a:rPr>
-              <a:t>Symmetric encryption of files + message authentication + sender authentication + passphrase protected public keys</a:t>
+              <a:t>OpenSSL BigNum Library and PRNG used for public key cryptography</a:t>
             </a:r>
             <a:endParaRPr b="0" lang="en-US" sz="3200" spc="-1" strike="noStrike">
               <a:solidFill>
@@ -5823,8 +5697,8 @@
         </p:nvSpPr>
         <p:spPr>
           <a:xfrm>
-            <a:off x="502920" y="225360"/>
-            <a:ext cx="9063000" cy="938160"/>
+            <a:off x="503280" y="225000"/>
+            <a:ext cx="9066240" cy="941400"/>
           </a:xfrm>
           <a:prstGeom prst="rect">
             <a:avLst/>
@@ -5847,7 +5721,7 @@
                 </a:solidFill>
                 <a:latin typeface="Arial"/>
               </a:rPr>
-              <a:t>Symmetric Primitives Used</a:t>
+              <a:t>Project History</a:t>
             </a:r>
             <a:endParaRPr b="0" lang="en-US" sz="4400" spc="-1" strike="noStrike">
               <a:solidFill>
@@ -5866,8 +5740,8 @@
         </p:nvSpPr>
         <p:spPr>
           <a:xfrm>
-            <a:off x="502920" y="1327320"/>
-            <a:ext cx="9063000" cy="3279600"/>
+            <a:off x="503280" y="1326960"/>
+            <a:ext cx="9066240" cy="3282840"/>
           </a:xfrm>
           <a:prstGeom prst="rect">
             <a:avLst/>
@@ -5879,10 +5753,10 @@
         </p:spPr>
         <p:txBody>
           <a:bodyPr lIns="0" rIns="0" tIns="28440" bIns="0">
-            <a:normAutofit fontScale="66000"/>
-          </a:bodyPr>
-          <a:p>
-            <a:pPr marL="307800" indent="-307800">
+            <a:normAutofit/>
+          </a:bodyPr>
+          <a:p>
+            <a:pPr marL="304560" indent="-304560">
               <a:spcBef>
                 <a:spcPts val="1423"/>
               </a:spcBef>
@@ -5900,17 +5774,26 @@
                 </a:solidFill>
                 <a:latin typeface="Arial"/>
               </a:rPr>
-              <a:t>Dark (Stream) 256-bit</a:t>
-            </a:r>
-            <a:endParaRPr b="0" lang="en-US" sz="3200" spc="-1" strike="noStrike">
-              <a:solidFill>
-                <a:srgbClr val="000000"/>
-              </a:solidFill>
-              <a:latin typeface="Arial"/>
-            </a:endParaRPr>
-          </a:p>
-          <a:p>
-            <a:pPr marL="307800" indent="-307800">
+              <a:t> </a:t>
+            </a:r>
+            <a:r>
+              <a:rPr b="0" lang="en-US" sz="3200" spc="-1" strike="noStrike">
+                <a:solidFill>
+                  <a:srgbClr val="000000"/>
+                </a:solidFill>
+                <a:latin typeface="Arial"/>
+              </a:rPr>
+              <a:t>First commit in 2017</a:t>
+            </a:r>
+            <a:endParaRPr b="0" lang="en-US" sz="3200" spc="-1" strike="noStrike">
+              <a:solidFill>
+                <a:srgbClr val="000000"/>
+              </a:solidFill>
+              <a:latin typeface="Arial"/>
+            </a:endParaRPr>
+          </a:p>
+          <a:p>
+            <a:pPr marL="304560" indent="-304560">
               <a:spcBef>
                 <a:spcPts val="1423"/>
               </a:spcBef>
@@ -5928,164 +5811,17 @@
                 </a:solidFill>
                 <a:latin typeface="Arial"/>
               </a:rPr>
-              <a:t>Uvajda (Stream) 256-bit</a:t>
-            </a:r>
-            <a:endParaRPr b="0" lang="en-US" sz="3200" spc="-1" strike="noStrike">
-              <a:solidFill>
-                <a:srgbClr val="000000"/>
-              </a:solidFill>
-              <a:latin typeface="Arial"/>
-            </a:endParaRPr>
-          </a:p>
-          <a:p>
-            <a:pPr marL="307800" indent="-307800">
-              <a:spcBef>
-                <a:spcPts val="1423"/>
-              </a:spcBef>
-              <a:buClr>
-                <a:srgbClr val="000000"/>
-              </a:buClr>
-              <a:buSzPct val="45000"/>
-              <a:buFont typeface="Wingdings" charset="2"/>
-              <a:buChar char=""/>
-            </a:pPr>
-            <a:r>
-              <a:rPr b="0" lang="en-US" sz="3200" spc="-1" strike="noStrike">
-                <a:solidFill>
-                  <a:srgbClr val="000000"/>
-                </a:solidFill>
-                <a:latin typeface="Arial"/>
-              </a:rPr>
-              <a:t>Spock (Block) 256-bit</a:t>
-            </a:r>
-            <a:endParaRPr b="0" lang="en-US" sz="3200" spc="-1" strike="noStrike">
-              <a:solidFill>
-                <a:srgbClr val="000000"/>
-              </a:solidFill>
-              <a:latin typeface="Arial"/>
-            </a:endParaRPr>
-          </a:p>
-          <a:p>
-            <a:pPr marL="307800" indent="-307800">
-              <a:spcBef>
-                <a:spcPts val="1423"/>
-              </a:spcBef>
-              <a:buClr>
-                <a:srgbClr val="000000"/>
-              </a:buClr>
-              <a:buSzPct val="45000"/>
-              <a:buFont typeface="Wingdings" charset="2"/>
-              <a:buChar char=""/>
-            </a:pPr>
-            <a:r>
-              <a:rPr b="0" lang="en-US" sz="3200" spc="-1" strike="noStrike">
-                <a:solidFill>
-                  <a:srgbClr val="000000"/>
-                </a:solidFill>
-                <a:latin typeface="Arial"/>
-              </a:rPr>
-              <a:t>Amagus (Stream) 256/512/1024-bit</a:t>
-            </a:r>
-            <a:endParaRPr b="0" lang="en-US" sz="3200" spc="-1" strike="noStrike">
-              <a:solidFill>
-                <a:srgbClr val="000000"/>
-              </a:solidFill>
-              <a:latin typeface="Arial"/>
-            </a:endParaRPr>
-          </a:p>
-          <a:p>
-            <a:pPr marL="307800" indent="-307800">
-              <a:spcBef>
-                <a:spcPts val="1423"/>
-              </a:spcBef>
-              <a:buClr>
-                <a:srgbClr val="000000"/>
-              </a:buClr>
-              <a:buSzPct val="45000"/>
-              <a:buFont typeface="Wingdings" charset="2"/>
-              <a:buChar char=""/>
-            </a:pPr>
-            <a:r>
-              <a:rPr b="0" lang="en-US" sz="3200" spc="-1" strike="noStrike">
-                <a:solidFill>
-                  <a:srgbClr val="000000"/>
-                </a:solidFill>
-                <a:latin typeface="Arial"/>
-              </a:rPr>
-              <a:t>Q’apla (Stream) 256-bit</a:t>
-            </a:r>
-            <a:endParaRPr b="0" lang="en-US" sz="3200" spc="-1" strike="noStrike">
-              <a:solidFill>
-                <a:srgbClr val="000000"/>
-              </a:solidFill>
-              <a:latin typeface="Arial"/>
-            </a:endParaRPr>
-          </a:p>
-          <a:p>
-            <a:pPr marL="307800" indent="-307800">
-              <a:spcBef>
-                <a:spcPts val="1423"/>
-              </a:spcBef>
-              <a:buClr>
-                <a:srgbClr val="000000"/>
-              </a:buClr>
-              <a:buSzPct val="45000"/>
-              <a:buFont typeface="Wingdings" charset="2"/>
-              <a:buChar char=""/>
-            </a:pPr>
-            <a:r>
-              <a:rPr b="0" lang="en-US" sz="3200" spc="-1" strike="noStrike">
-                <a:solidFill>
-                  <a:srgbClr val="000000"/>
-                </a:solidFill>
-                <a:latin typeface="Arial"/>
-              </a:rPr>
-              <a:t>ZanderFish2 (Block) 256-bit</a:t>
-            </a:r>
-            <a:endParaRPr b="0" lang="en-US" sz="3200" spc="-1" strike="noStrike">
-              <a:solidFill>
-                <a:srgbClr val="000000"/>
-              </a:solidFill>
-              <a:latin typeface="Arial"/>
-            </a:endParaRPr>
-          </a:p>
-          <a:p>
-            <a:pPr marL="307800" indent="-307800">
-              <a:spcBef>
-                <a:spcPts val="1423"/>
-              </a:spcBef>
-              <a:buClr>
-                <a:srgbClr val="000000"/>
-              </a:buClr>
-              <a:buSzPct val="45000"/>
-              <a:buFont typeface="Wingdings" charset="2"/>
-              <a:buChar char=""/>
-            </a:pPr>
-            <a:r>
-              <a:rPr b="0" lang="en-US" sz="3200" spc="-1" strike="noStrike">
-                <a:solidFill>
-                  <a:srgbClr val="000000"/>
-                </a:solidFill>
-                <a:latin typeface="Arial"/>
-              </a:rPr>
-              <a:t>ZanderFish3 (Block) 256/512/1024-bit</a:t>
-            </a:r>
-            <a:endParaRPr b="0" lang="en-US" sz="3200" spc="-1" strike="noStrike">
-              <a:solidFill>
-                <a:srgbClr val="000000"/>
-              </a:solidFill>
-              <a:latin typeface="Arial"/>
-            </a:endParaRPr>
-          </a:p>
-          <a:p>
-            <a:pPr marL="342720" indent="-306360">
-              <a:lnSpc>
-                <a:spcPct val="93000"/>
-              </a:lnSpc>
-              <a:spcBef>
-                <a:spcPts val="1423"/>
-              </a:spcBef>
-            </a:pPr>
+              <a:t> </a:t>
+            </a:r>
+            <a:r>
+              <a:rPr b="0" lang="en-US" sz="3200" spc="-1" strike="noStrike">
+                <a:solidFill>
+                  <a:srgbClr val="000000"/>
+                </a:solidFill>
+                <a:latin typeface="Arial"/>
+              </a:rPr>
+              <a:t>Reached version 1.0 milestone in 2020</a:t>
+            </a:r>
             <a:endParaRPr b="0" lang="en-US" sz="3200" spc="-1" strike="noStrike">
               <a:solidFill>
                 <a:srgbClr val="000000"/>
@@ -6133,7 +5869,7 @@
         <p:spPr>
           <a:xfrm>
             <a:off x="502920" y="225360"/>
-            <a:ext cx="9063000" cy="938160"/>
+            <a:ext cx="9055080" cy="930240"/>
           </a:xfrm>
           <a:prstGeom prst="rect">
             <a:avLst/>
@@ -6156,7 +5892,7 @@
                 </a:solidFill>
                 <a:latin typeface="Arial"/>
               </a:rPr>
-              <a:t>Hash/HMAC/KDF Primitives Used</a:t>
+              <a:t>Project Phases</a:t>
             </a:r>
             <a:endParaRPr b="0" lang="en-US" sz="4400" spc="-1" strike="noStrike">
               <a:solidFill>
@@ -6176,7 +5912,7 @@
         <p:spPr>
           <a:xfrm>
             <a:off x="502920" y="1327320"/>
-            <a:ext cx="9063000" cy="3279600"/>
+            <a:ext cx="9055080" cy="3271680"/>
           </a:xfrm>
           <a:prstGeom prst="rect">
             <a:avLst/>
@@ -6188,10 +5924,10 @@
         </p:spPr>
         <p:txBody>
           <a:bodyPr lIns="0" rIns="0" tIns="28440" bIns="0">
-            <a:normAutofit fontScale="56000"/>
-          </a:bodyPr>
-          <a:p>
-            <a:pPr marL="307800" indent="-307800">
+            <a:normAutofit/>
+          </a:bodyPr>
+          <a:p>
+            <a:pPr marL="315720" indent="-315720">
               <a:spcBef>
                 <a:spcPts val="1423"/>
               </a:spcBef>
@@ -6209,17 +5945,17 @@
                 </a:solidFill>
                 <a:latin typeface="Arial"/>
               </a:rPr>
-              <a:t>Ganja 256-bit – Hash/HMAC</a:t>
-            </a:r>
-            <a:endParaRPr b="0" lang="en-US" sz="3200" spc="-1" strike="noStrike">
-              <a:solidFill>
-                <a:srgbClr val="000000"/>
-              </a:solidFill>
-              <a:latin typeface="Arial"/>
-            </a:endParaRPr>
-          </a:p>
-          <a:p>
-            <a:pPr marL="307800" indent="-307800">
+              <a:t>Symmetric encryption of files + passphrase</a:t>
+            </a:r>
+            <a:endParaRPr b="0" lang="en-US" sz="3200" spc="-1" strike="noStrike">
+              <a:solidFill>
+                <a:srgbClr val="000000"/>
+              </a:solidFill>
+              <a:latin typeface="Arial"/>
+            </a:endParaRPr>
+          </a:p>
+          <a:p>
+            <a:pPr marL="315720" indent="-315720">
               <a:spcBef>
                 <a:spcPts val="1423"/>
               </a:spcBef>
@@ -6237,17 +5973,17 @@
                 </a:solidFill>
                 <a:latin typeface="Arial"/>
               </a:rPr>
-              <a:t>Manja - KDF</a:t>
-            </a:r>
-            <a:endParaRPr b="0" lang="en-US" sz="3200" spc="-1" strike="noStrike">
-              <a:solidFill>
-                <a:srgbClr val="000000"/>
-              </a:solidFill>
-              <a:latin typeface="Arial"/>
-            </a:endParaRPr>
-          </a:p>
-          <a:p>
-            <a:pPr marL="307800" indent="-307800">
+              <a:t>Symmetric encryption of files + message authentication + passphrase</a:t>
+            </a:r>
+            <a:endParaRPr b="0" lang="en-US" sz="3200" spc="-1" strike="noStrike">
+              <a:solidFill>
+                <a:srgbClr val="000000"/>
+              </a:solidFill>
+              <a:latin typeface="Arial"/>
+            </a:endParaRPr>
+          </a:p>
+          <a:p>
+            <a:pPr marL="315720" indent="-315720">
               <a:spcBef>
                 <a:spcPts val="1423"/>
               </a:spcBef>
@@ -6265,136 +6001,8 @@
                 </a:solidFill>
                 <a:latin typeface="Arial"/>
               </a:rPr>
-              <a:t>Spock (Block 128-bit block size) 256-bit</a:t>
-            </a:r>
-            <a:endParaRPr b="0" lang="en-US" sz="3200" spc="-1" strike="noStrike">
-              <a:solidFill>
-                <a:srgbClr val="000000"/>
-              </a:solidFill>
-              <a:latin typeface="Arial"/>
-            </a:endParaRPr>
-          </a:p>
-          <a:p>
-            <a:pPr marL="307800" indent="-307800">
-              <a:spcBef>
-                <a:spcPts val="1423"/>
-              </a:spcBef>
-              <a:buClr>
-                <a:srgbClr val="000000"/>
-              </a:buClr>
-              <a:buSzPct val="45000"/>
-              <a:buFont typeface="Wingdings" charset="2"/>
-              <a:buChar char=""/>
-            </a:pPr>
-            <a:r>
-              <a:rPr b="0" lang="en-US" sz="3200" spc="-1" strike="noStrike">
-                <a:solidFill>
-                  <a:srgbClr val="000000"/>
-                </a:solidFill>
-                <a:latin typeface="Arial"/>
-              </a:rPr>
-              <a:t>Amagus (Stream) 256/512/1024-bit</a:t>
-            </a:r>
-            <a:endParaRPr b="0" lang="en-US" sz="3200" spc="-1" strike="noStrike">
-              <a:solidFill>
-                <a:srgbClr val="000000"/>
-              </a:solidFill>
-              <a:latin typeface="Arial"/>
-            </a:endParaRPr>
-          </a:p>
-          <a:p>
-            <a:pPr marL="307800" indent="-307800">
-              <a:spcBef>
-                <a:spcPts val="1423"/>
-              </a:spcBef>
-              <a:buClr>
-                <a:srgbClr val="000000"/>
-              </a:buClr>
-              <a:buSzPct val="45000"/>
-              <a:buFont typeface="Wingdings" charset="2"/>
-              <a:buChar char=""/>
-            </a:pPr>
-            <a:r>
-              <a:rPr b="0" lang="en-US" sz="3200" spc="-1" strike="noStrike">
-                <a:solidFill>
-                  <a:srgbClr val="000000"/>
-                </a:solidFill>
-                <a:latin typeface="Arial"/>
-              </a:rPr>
-              <a:t>Q’apla (Stream) 256-bit</a:t>
-            </a:r>
-            <a:endParaRPr b="0" lang="en-US" sz="3200" spc="-1" strike="noStrike">
-              <a:solidFill>
-                <a:srgbClr val="000000"/>
-              </a:solidFill>
-              <a:latin typeface="Arial"/>
-            </a:endParaRPr>
-          </a:p>
-          <a:p>
-            <a:pPr marL="307800" indent="-307800">
-              <a:spcBef>
-                <a:spcPts val="1423"/>
-              </a:spcBef>
-              <a:buClr>
-                <a:srgbClr val="000000"/>
-              </a:buClr>
-              <a:buSzPct val="45000"/>
-              <a:buFont typeface="Wingdings" charset="2"/>
-              <a:buChar char=""/>
-            </a:pPr>
-            <a:r>
-              <a:rPr b="0" lang="en-US" sz="3200" spc="-1" strike="noStrike">
-                <a:solidFill>
-                  <a:srgbClr val="000000"/>
-                </a:solidFill>
-                <a:latin typeface="Arial"/>
-              </a:rPr>
-              <a:t>ZanderFish2 (Block 128-bit block size) 256-bit</a:t>
-            </a:r>
-            <a:endParaRPr b="0" lang="en-US" sz="3200" spc="-1" strike="noStrike">
-              <a:solidFill>
-                <a:srgbClr val="000000"/>
-              </a:solidFill>
-              <a:latin typeface="Arial"/>
-            </a:endParaRPr>
-          </a:p>
-          <a:p>
-            <a:pPr marL="307800" indent="-307800">
-              <a:spcBef>
-                <a:spcPts val="1423"/>
-              </a:spcBef>
-              <a:buClr>
-                <a:srgbClr val="000000"/>
-              </a:buClr>
-              <a:buSzPct val="45000"/>
-              <a:buFont typeface="Wingdings" charset="2"/>
-              <a:buChar char=""/>
-            </a:pPr>
-            <a:r>
-              <a:rPr b="0" lang="en-US" sz="3200" spc="-1" strike="noStrike">
-                <a:solidFill>
-                  <a:srgbClr val="000000"/>
-                </a:solidFill>
-                <a:latin typeface="Arial"/>
-              </a:rPr>
-              <a:t>ZanderFish3 (Block 256-bit block size) 256/512/1024-bit</a:t>
-            </a:r>
-            <a:endParaRPr b="0" lang="en-US" sz="3200" spc="-1" strike="noStrike">
-              <a:solidFill>
-                <a:srgbClr val="000000"/>
-              </a:solidFill>
-              <a:latin typeface="Arial"/>
-            </a:endParaRPr>
-          </a:p>
-          <a:p>
-            <a:pPr marL="342720" indent="-306360">
-              <a:lnSpc>
-                <a:spcPct val="93000"/>
-              </a:lnSpc>
-              <a:spcBef>
-                <a:spcPts val="1423"/>
-              </a:spcBef>
-            </a:pPr>
+              <a:t>Symmetric encryption of files + message authentication + sender authentication + passphrase protected public keys</a:t>
+            </a:r>
             <a:endParaRPr b="0" lang="en-US" sz="3200" spc="-1" strike="noStrike">
               <a:solidFill>
                 <a:srgbClr val="000000"/>
@@ -6441,8 +6049,8 @@
         </p:nvSpPr>
         <p:spPr>
           <a:xfrm>
-            <a:off x="502920" y="225000"/>
-            <a:ext cx="9040680" cy="916200"/>
+            <a:off x="502920" y="225360"/>
+            <a:ext cx="9063000" cy="938160"/>
           </a:xfrm>
           <a:prstGeom prst="rect">
             <a:avLst/>
@@ -6465,7 +6073,7 @@
                 </a:solidFill>
                 <a:latin typeface="Arial"/>
               </a:rPr>
-              <a:t>Public Key Algorithm Used</a:t>
+              <a:t>Symmetric Primitives Used</a:t>
             </a:r>
             <a:endParaRPr b="0" lang="en-US" sz="4400" spc="-1" strike="noStrike">
               <a:solidFill>
@@ -6485,7 +6093,7 @@
         <p:spPr>
           <a:xfrm>
             <a:off x="502920" y="1327320"/>
-            <a:ext cx="9040680" cy="3257280"/>
+            <a:ext cx="9063000" cy="3279600"/>
           </a:xfrm>
           <a:prstGeom prst="rect">
             <a:avLst/>
@@ -6497,10 +6105,10 @@
         </p:spPr>
         <p:txBody>
           <a:bodyPr lIns="0" rIns="0" tIns="28440" bIns="0">
-            <a:normAutofit/>
-          </a:bodyPr>
-          <a:p>
-            <a:pPr marL="330120" indent="-330120">
+            <a:normAutofit fontScale="66000"/>
+          </a:bodyPr>
+          <a:p>
+            <a:pPr marL="307800" indent="-307800">
               <a:spcBef>
                 <a:spcPts val="1423"/>
               </a:spcBef>
@@ -6518,17 +6126,192 @@
                 </a:solidFill>
                 <a:latin typeface="Arial"/>
               </a:rPr>
-              <a:t> </a:t>
-            </a:r>
-            <a:r>
-              <a:rPr b="0" lang="en-US" sz="3200" spc="-1" strike="noStrike">
-                <a:solidFill>
-                  <a:srgbClr val="000000"/>
-                </a:solidFill>
-                <a:latin typeface="Arial"/>
-              </a:rPr>
-              <a:t>Q’loQ RSA 3072-bit</a:t>
-            </a:r>
+              <a:t>Dark (Stream) 256-bit</a:t>
+            </a:r>
+            <a:endParaRPr b="0" lang="en-US" sz="3200" spc="-1" strike="noStrike">
+              <a:solidFill>
+                <a:srgbClr val="000000"/>
+              </a:solidFill>
+              <a:latin typeface="Arial"/>
+            </a:endParaRPr>
+          </a:p>
+          <a:p>
+            <a:pPr marL="307800" indent="-307800">
+              <a:spcBef>
+                <a:spcPts val="1423"/>
+              </a:spcBef>
+              <a:buClr>
+                <a:srgbClr val="000000"/>
+              </a:buClr>
+              <a:buSzPct val="45000"/>
+              <a:buFont typeface="Wingdings" charset="2"/>
+              <a:buChar char=""/>
+            </a:pPr>
+            <a:r>
+              <a:rPr b="0" lang="en-US" sz="3200" spc="-1" strike="noStrike">
+                <a:solidFill>
+                  <a:srgbClr val="000000"/>
+                </a:solidFill>
+                <a:latin typeface="Arial"/>
+              </a:rPr>
+              <a:t>Uvajda (Stream) 256-bit</a:t>
+            </a:r>
+            <a:endParaRPr b="0" lang="en-US" sz="3200" spc="-1" strike="noStrike">
+              <a:solidFill>
+                <a:srgbClr val="000000"/>
+              </a:solidFill>
+              <a:latin typeface="Arial"/>
+            </a:endParaRPr>
+          </a:p>
+          <a:p>
+            <a:pPr marL="307800" indent="-307800">
+              <a:spcBef>
+                <a:spcPts val="1423"/>
+              </a:spcBef>
+              <a:buClr>
+                <a:srgbClr val="000000"/>
+              </a:buClr>
+              <a:buSzPct val="45000"/>
+              <a:buFont typeface="Wingdings" charset="2"/>
+              <a:buChar char=""/>
+            </a:pPr>
+            <a:r>
+              <a:rPr b="0" lang="en-US" sz="3200" spc="-1" strike="noStrike">
+                <a:solidFill>
+                  <a:srgbClr val="000000"/>
+                </a:solidFill>
+                <a:latin typeface="Arial"/>
+              </a:rPr>
+              <a:t>Spock (Block) 256-bit</a:t>
+            </a:r>
+            <a:endParaRPr b="0" lang="en-US" sz="3200" spc="-1" strike="noStrike">
+              <a:solidFill>
+                <a:srgbClr val="000000"/>
+              </a:solidFill>
+              <a:latin typeface="Arial"/>
+            </a:endParaRPr>
+          </a:p>
+          <a:p>
+            <a:pPr marL="307800" indent="-307800">
+              <a:spcBef>
+                <a:spcPts val="1423"/>
+              </a:spcBef>
+              <a:buClr>
+                <a:srgbClr val="000000"/>
+              </a:buClr>
+              <a:buSzPct val="45000"/>
+              <a:buFont typeface="Wingdings" charset="2"/>
+              <a:buChar char=""/>
+            </a:pPr>
+            <a:r>
+              <a:rPr b="0" lang="en-US" sz="3200" spc="-1" strike="noStrike">
+                <a:solidFill>
+                  <a:srgbClr val="000000"/>
+                </a:solidFill>
+                <a:latin typeface="Arial"/>
+              </a:rPr>
+              <a:t>Amagus (Stream) 256/512/1024-bit</a:t>
+            </a:r>
+            <a:endParaRPr b="0" lang="en-US" sz="3200" spc="-1" strike="noStrike">
+              <a:solidFill>
+                <a:srgbClr val="000000"/>
+              </a:solidFill>
+              <a:latin typeface="Arial"/>
+            </a:endParaRPr>
+          </a:p>
+          <a:p>
+            <a:pPr marL="307800" indent="-307800">
+              <a:spcBef>
+                <a:spcPts val="1423"/>
+              </a:spcBef>
+              <a:buClr>
+                <a:srgbClr val="000000"/>
+              </a:buClr>
+              <a:buSzPct val="45000"/>
+              <a:buFont typeface="Wingdings" charset="2"/>
+              <a:buChar char=""/>
+            </a:pPr>
+            <a:r>
+              <a:rPr b="0" lang="en-US" sz="3200" spc="-1" strike="noStrike">
+                <a:solidFill>
+                  <a:srgbClr val="000000"/>
+                </a:solidFill>
+                <a:latin typeface="Arial"/>
+              </a:rPr>
+              <a:t>Q’apla (Stream) 256-bit</a:t>
+            </a:r>
+            <a:endParaRPr b="0" lang="en-US" sz="3200" spc="-1" strike="noStrike">
+              <a:solidFill>
+                <a:srgbClr val="000000"/>
+              </a:solidFill>
+              <a:latin typeface="Arial"/>
+            </a:endParaRPr>
+          </a:p>
+          <a:p>
+            <a:pPr marL="307800" indent="-307800">
+              <a:spcBef>
+                <a:spcPts val="1423"/>
+              </a:spcBef>
+              <a:buClr>
+                <a:srgbClr val="000000"/>
+              </a:buClr>
+              <a:buSzPct val="45000"/>
+              <a:buFont typeface="Wingdings" charset="2"/>
+              <a:buChar char=""/>
+            </a:pPr>
+            <a:r>
+              <a:rPr b="0" lang="en-US" sz="3200" spc="-1" strike="noStrike">
+                <a:solidFill>
+                  <a:srgbClr val="000000"/>
+                </a:solidFill>
+                <a:latin typeface="Arial"/>
+              </a:rPr>
+              <a:t>ZanderFish2 (Block) 256-bit</a:t>
+            </a:r>
+            <a:endParaRPr b="0" lang="en-US" sz="3200" spc="-1" strike="noStrike">
+              <a:solidFill>
+                <a:srgbClr val="000000"/>
+              </a:solidFill>
+              <a:latin typeface="Arial"/>
+            </a:endParaRPr>
+          </a:p>
+          <a:p>
+            <a:pPr marL="307800" indent="-307800">
+              <a:spcBef>
+                <a:spcPts val="1423"/>
+              </a:spcBef>
+              <a:buClr>
+                <a:srgbClr val="000000"/>
+              </a:buClr>
+              <a:buSzPct val="45000"/>
+              <a:buFont typeface="Wingdings" charset="2"/>
+              <a:buChar char=""/>
+            </a:pPr>
+            <a:r>
+              <a:rPr b="0" lang="en-US" sz="3200" spc="-1" strike="noStrike">
+                <a:solidFill>
+                  <a:srgbClr val="000000"/>
+                </a:solidFill>
+                <a:latin typeface="Arial"/>
+              </a:rPr>
+              <a:t>ZanderFish3 (Block) 256/512/1024-bit</a:t>
+            </a:r>
+            <a:endParaRPr b="0" lang="en-US" sz="3200" spc="-1" strike="noStrike">
+              <a:solidFill>
+                <a:srgbClr val="000000"/>
+              </a:solidFill>
+              <a:latin typeface="Arial"/>
+            </a:endParaRPr>
+          </a:p>
+          <a:p>
+            <a:pPr marL="342720" indent="-306360">
+              <a:lnSpc>
+                <a:spcPct val="93000"/>
+              </a:lnSpc>
+              <a:spcBef>
+                <a:spcPts val="1423"/>
+              </a:spcBef>
+            </a:pPr>
             <a:endParaRPr b="0" lang="en-US" sz="3200" spc="-1" strike="noStrike">
               <a:solidFill>
                 <a:srgbClr val="000000"/>
@@ -6576,7 +6359,7 @@
         <p:spPr>
           <a:xfrm>
             <a:off x="502920" y="225360"/>
-            <a:ext cx="9070920" cy="946080"/>
+            <a:ext cx="9063000" cy="938160"/>
           </a:xfrm>
           <a:prstGeom prst="rect">
             <a:avLst/>
@@ -6587,15 +6370,11 @@
           </a:ln>
         </p:spPr>
         <p:txBody>
-          <a:bodyPr lIns="0" rIns="0" tIns="39240" bIns="0" anchor="ctr">
+          <a:bodyPr lIns="0" rIns="0" tIns="0" bIns="0" anchor="ctr">
             <a:noAutofit/>
           </a:bodyPr>
           <a:p>
-            <a:pPr algn="ctr">
-              <a:lnSpc>
-                <a:spcPct val="93000"/>
-              </a:lnSpc>
-            </a:pPr>
+            <a:pPr algn="ctr"/>
             <a:r>
               <a:rPr b="0" lang="en-US" sz="4400" spc="-1" strike="noStrike">
                 <a:solidFill>
@@ -6603,7 +6382,7 @@
                 </a:solidFill>
                 <a:latin typeface="Arial"/>
               </a:rPr>
-              <a:t>How Does It Work?</a:t>
+              <a:t>Hash/HMAC/KDF Primitives Used</a:t>
             </a:r>
             <a:endParaRPr b="0" lang="en-US" sz="4400" spc="-1" strike="noStrike">
               <a:solidFill>
@@ -6623,7 +6402,7 @@
         <p:spPr>
           <a:xfrm>
             <a:off x="502920" y="1327320"/>
-            <a:ext cx="9070920" cy="3287520"/>
+            <a:ext cx="9063000" cy="3279600"/>
           </a:xfrm>
           <a:prstGeom prst="rect">
             <a:avLst/>
@@ -6635,10 +6414,10 @@
         </p:spPr>
         <p:txBody>
           <a:bodyPr lIns="0" rIns="0" tIns="28440" bIns="0">
-            <a:normAutofit fontScale="37000"/>
-          </a:bodyPr>
-          <a:p>
-            <a:pPr marL="318960" indent="-318960">
+            <a:normAutofit fontScale="56000"/>
+          </a:bodyPr>
+          <a:p>
+            <a:pPr marL="307800" indent="-307800">
               <a:spcBef>
                 <a:spcPts val="1423"/>
               </a:spcBef>
@@ -6656,17 +6435,17 @@
                 </a:solidFill>
                 <a:latin typeface="Arial"/>
               </a:rPr>
-              <a:t>Alice and Bob run `castle-keygen` to set a passphrase to with which to lock their private key and generate their public keys</a:t>
-            </a:r>
-            <a:endParaRPr b="0" lang="en-US" sz="3200" spc="-1" strike="noStrike">
-              <a:solidFill>
-                <a:srgbClr val="000000"/>
-              </a:solidFill>
-              <a:latin typeface="Arial"/>
-            </a:endParaRPr>
-          </a:p>
-          <a:p>
-            <a:pPr marL="318960" indent="-318960">
+              <a:t>Ganja 256-bit – Hash/HMAC</a:t>
+            </a:r>
+            <a:endParaRPr b="0" lang="en-US" sz="3200" spc="-1" strike="noStrike">
+              <a:solidFill>
+                <a:srgbClr val="000000"/>
+              </a:solidFill>
+              <a:latin typeface="Arial"/>
+            </a:endParaRPr>
+          </a:p>
+          <a:p>
+            <a:pPr marL="307800" indent="-307800">
               <a:spcBef>
                 <a:spcPts val="1423"/>
               </a:spcBef>
@@ -6684,17 +6463,17 @@
                 </a:solidFill>
                 <a:latin typeface="Arial"/>
               </a:rPr>
-              <a:t>Alice and Bob exchange .pk files</a:t>
-            </a:r>
-            <a:endParaRPr b="0" lang="en-US" sz="3200" spc="-1" strike="noStrike">
-              <a:solidFill>
-                <a:srgbClr val="000000"/>
-              </a:solidFill>
-              <a:latin typeface="Arial"/>
-            </a:endParaRPr>
-          </a:p>
-          <a:p>
-            <a:pPr marL="318960" indent="-318960">
+              <a:t>Manja - KDF</a:t>
+            </a:r>
+            <a:endParaRPr b="0" lang="en-US" sz="3200" spc="-1" strike="noStrike">
+              <a:solidFill>
+                <a:srgbClr val="000000"/>
+              </a:solidFill>
+              <a:latin typeface="Arial"/>
+            </a:endParaRPr>
+          </a:p>
+          <a:p>
+            <a:pPr marL="307800" indent="-307800">
               <a:spcBef>
                 <a:spcPts val="1423"/>
               </a:spcBef>
@@ -6712,17 +6491,17 @@
                 </a:solidFill>
                 <a:latin typeface="Arial"/>
               </a:rPr>
-              <a:t>Alice and Bob agree to use the Uvajda cipher</a:t>
-            </a:r>
-            <a:endParaRPr b="0" lang="en-US" sz="3200" spc="-1" strike="noStrike">
-              <a:solidFill>
-                <a:srgbClr val="000000"/>
-              </a:solidFill>
-              <a:latin typeface="Arial"/>
-            </a:endParaRPr>
-          </a:p>
-          <a:p>
-            <a:pPr marL="318960" indent="-318960">
+              <a:t>Spock (Block 128-bit block size) 256-bit</a:t>
+            </a:r>
+            <a:endParaRPr b="0" lang="en-US" sz="3200" spc="-1" strike="noStrike">
+              <a:solidFill>
+                <a:srgbClr val="000000"/>
+              </a:solidFill>
+              <a:latin typeface="Arial"/>
+            </a:endParaRPr>
+          </a:p>
+          <a:p>
+            <a:pPr marL="307800" indent="-307800">
               <a:spcBef>
                 <a:spcPts val="1423"/>
               </a:spcBef>
@@ -6740,17 +6519,17 @@
                 </a:solidFill>
                 <a:latin typeface="Arial"/>
               </a:rPr>
-              <a:t>Alice types a letter to Bob and encrypts and signs it using DarkCastle `castle uvajda -e letter letter.encrypted Alice.pk Alice.sk`</a:t>
-            </a:r>
-            <a:endParaRPr b="0" lang="en-US" sz="3200" spc="-1" strike="noStrike">
-              <a:solidFill>
-                <a:srgbClr val="000000"/>
-              </a:solidFill>
-              <a:latin typeface="Arial"/>
-            </a:endParaRPr>
-          </a:p>
-          <a:p>
-            <a:pPr marL="318960" indent="-318960">
+              <a:t>Amagus (Stream) 256/512/1024-bit</a:t>
+            </a:r>
+            <a:endParaRPr b="0" lang="en-US" sz="3200" spc="-1" strike="noStrike">
+              <a:solidFill>
+                <a:srgbClr val="000000"/>
+              </a:solidFill>
+              <a:latin typeface="Arial"/>
+            </a:endParaRPr>
+          </a:p>
+          <a:p>
+            <a:pPr marL="307800" indent="-307800">
               <a:spcBef>
                 <a:spcPts val="1423"/>
               </a:spcBef>
@@ -6768,17 +6547,76 @@
                 </a:solidFill>
                 <a:latin typeface="Arial"/>
               </a:rPr>
-              <a:t>Bob receives the encrypted message and decrypts it using DarkCastle `castle uvajda -d letter.encrypted message.from.alice Bob.sk Bob.pk`</a:t>
-            </a:r>
-            <a:endParaRPr b="0" lang="en-US" sz="3200" spc="-1" strike="noStrike">
-              <a:solidFill>
-                <a:srgbClr val="000000"/>
-              </a:solidFill>
-              <a:latin typeface="Arial"/>
-            </a:endParaRPr>
-          </a:p>
-          <a:p>
-            <a:pPr>
+              <a:t>Q’apla (Stream) 256-bit</a:t>
+            </a:r>
+            <a:endParaRPr b="0" lang="en-US" sz="3200" spc="-1" strike="noStrike">
+              <a:solidFill>
+                <a:srgbClr val="000000"/>
+              </a:solidFill>
+              <a:latin typeface="Arial"/>
+            </a:endParaRPr>
+          </a:p>
+          <a:p>
+            <a:pPr marL="307800" indent="-307800">
+              <a:spcBef>
+                <a:spcPts val="1423"/>
+              </a:spcBef>
+              <a:buClr>
+                <a:srgbClr val="000000"/>
+              </a:buClr>
+              <a:buSzPct val="45000"/>
+              <a:buFont typeface="Wingdings" charset="2"/>
+              <a:buChar char=""/>
+            </a:pPr>
+            <a:r>
+              <a:rPr b="0" lang="en-US" sz="3200" spc="-1" strike="noStrike">
+                <a:solidFill>
+                  <a:srgbClr val="000000"/>
+                </a:solidFill>
+                <a:latin typeface="Arial"/>
+              </a:rPr>
+              <a:t>ZanderFish2 (Block 128-bit block size) 256-bit</a:t>
+            </a:r>
+            <a:endParaRPr b="0" lang="en-US" sz="3200" spc="-1" strike="noStrike">
+              <a:solidFill>
+                <a:srgbClr val="000000"/>
+              </a:solidFill>
+              <a:latin typeface="Arial"/>
+            </a:endParaRPr>
+          </a:p>
+          <a:p>
+            <a:pPr marL="307800" indent="-307800">
+              <a:spcBef>
+                <a:spcPts val="1423"/>
+              </a:spcBef>
+              <a:buClr>
+                <a:srgbClr val="000000"/>
+              </a:buClr>
+              <a:buSzPct val="45000"/>
+              <a:buFont typeface="Wingdings" charset="2"/>
+              <a:buChar char=""/>
+            </a:pPr>
+            <a:r>
+              <a:rPr b="0" lang="en-US" sz="3200" spc="-1" strike="noStrike">
+                <a:solidFill>
+                  <a:srgbClr val="000000"/>
+                </a:solidFill>
+                <a:latin typeface="Arial"/>
+              </a:rPr>
+              <a:t>ZanderFish3 (Block 256-bit block size) 256/512/1024-bit</a:t>
+            </a:r>
+            <a:endParaRPr b="0" lang="en-US" sz="3200" spc="-1" strike="noStrike">
+              <a:solidFill>
+                <a:srgbClr val="000000"/>
+              </a:solidFill>
+              <a:latin typeface="Arial"/>
+            </a:endParaRPr>
+          </a:p>
+          <a:p>
+            <a:pPr marL="342720" indent="-306360">
+              <a:lnSpc>
+                <a:spcPct val="93000"/>
+              </a:lnSpc>
               <a:spcBef>
                 <a:spcPts val="1423"/>
               </a:spcBef>
@@ -6829,8 +6667,8 @@
         </p:nvSpPr>
         <p:spPr>
           <a:xfrm>
-            <a:off x="503280" y="225000"/>
-            <a:ext cx="9042480" cy="917640"/>
+            <a:off x="502920" y="225000"/>
+            <a:ext cx="9040680" cy="916200"/>
           </a:xfrm>
           <a:prstGeom prst="rect">
             <a:avLst/>
@@ -6853,7 +6691,7 @@
                 </a:solidFill>
                 <a:latin typeface="Arial"/>
               </a:rPr>
-              <a:t>What about Evil Eve?</a:t>
+              <a:t>Public Key Algorithm Used</a:t>
             </a:r>
             <a:endParaRPr b="0" lang="en-US" sz="4400" spc="-1" strike="noStrike">
               <a:solidFill>
@@ -6872,8 +6710,8 @@
         </p:nvSpPr>
         <p:spPr>
           <a:xfrm>
-            <a:off x="503280" y="1326960"/>
-            <a:ext cx="9042480" cy="3259080"/>
+            <a:off x="502920" y="1327320"/>
+            <a:ext cx="9040680" cy="3257280"/>
           </a:xfrm>
           <a:prstGeom prst="rect">
             <a:avLst/>
@@ -6885,10 +6723,10 @@
         </p:spPr>
         <p:txBody>
           <a:bodyPr lIns="0" rIns="0" tIns="28440" bIns="0">
-            <a:normAutofit fontScale="94000"/>
-          </a:bodyPr>
-          <a:p>
-            <a:pPr marL="328320" indent="-328320">
+            <a:normAutofit/>
+          </a:bodyPr>
+          <a:p>
+            <a:pPr marL="330120" indent="-330120">
               <a:spcBef>
                 <a:spcPts val="1423"/>
               </a:spcBef>
@@ -6915,35 +6753,7 @@
                 </a:solidFill>
                 <a:latin typeface="Arial"/>
               </a:rPr>
-              <a:t>If Eve intercepts the message between Alice and Bob and attempts to alter the message body.  The alteration will be detected by Manja before decryption is attempted.</a:t>
-            </a:r>
-            <a:endParaRPr b="0" lang="en-US" sz="3200" spc="-1" strike="noStrike">
-              <a:solidFill>
-                <a:srgbClr val="000000"/>
-              </a:solidFill>
-              <a:latin typeface="Arial"/>
-            </a:endParaRPr>
-          </a:p>
-          <a:p>
-            <a:pPr marL="328320" indent="-328320">
-              <a:spcBef>
-                <a:spcPts val="1423"/>
-              </a:spcBef>
-              <a:buClr>
-                <a:srgbClr val="000000"/>
-              </a:buClr>
-              <a:buSzPct val="45000"/>
-              <a:buFont typeface="Wingdings" charset="2"/>
-              <a:buChar char=""/>
-            </a:pPr>
-            <a:r>
-              <a:rPr b="0" lang="en-US" sz="3200" spc="-1" strike="noStrike">
-                <a:solidFill>
-                  <a:srgbClr val="000000"/>
-                </a:solidFill>
-                <a:latin typeface="Arial"/>
-              </a:rPr>
-              <a:t>If Eve attempts to forge a digital signature from Bob, DarkCastle will defend you and inform you that the message is not from who you think it is.</a:t>
+              <a:t>Q’loQ RSA 3072-bit</a:t>
             </a:r>
             <a:endParaRPr b="0" lang="en-US" sz="3200" spc="-1" strike="noStrike">
               <a:solidFill>
@@ -6991,8 +6801,8 @@
         </p:nvSpPr>
         <p:spPr>
           <a:xfrm>
-            <a:off x="503280" y="225000"/>
-            <a:ext cx="9042480" cy="917640"/>
+            <a:off x="502920" y="225360"/>
+            <a:ext cx="9070920" cy="946080"/>
           </a:xfrm>
           <a:prstGeom prst="rect">
             <a:avLst/>
@@ -7003,11 +6813,15 @@
           </a:ln>
         </p:spPr>
         <p:txBody>
-          <a:bodyPr lIns="0" rIns="0" tIns="0" bIns="0" anchor="ctr">
+          <a:bodyPr lIns="0" rIns="0" tIns="39240" bIns="0" anchor="ctr">
             <a:noAutofit/>
           </a:bodyPr>
           <a:p>
-            <a:pPr algn="ctr"/>
+            <a:pPr algn="ctr">
+              <a:lnSpc>
+                <a:spcPct val="93000"/>
+              </a:lnSpc>
+            </a:pPr>
             <a:r>
               <a:rPr b="0" lang="en-US" sz="4400" spc="-1" strike="noStrike">
                 <a:solidFill>
@@ -7015,7 +6829,7 @@
                 </a:solidFill>
                 <a:latin typeface="Arial"/>
               </a:rPr>
-              <a:t>Statistical Testing</a:t>
+              <a:t>How Does It Work?</a:t>
             </a:r>
             <a:endParaRPr b="0" lang="en-US" sz="4400" spc="-1" strike="noStrike">
               <a:solidFill>
@@ -7034,8 +6848,8 @@
         </p:nvSpPr>
         <p:spPr>
           <a:xfrm>
-            <a:off x="503280" y="1326960"/>
-            <a:ext cx="9042480" cy="3259080"/>
+            <a:off x="502920" y="1327320"/>
+            <a:ext cx="9070920" cy="3287520"/>
           </a:xfrm>
           <a:prstGeom prst="rect">
             <a:avLst/>
@@ -7047,10 +6861,10 @@
         </p:spPr>
         <p:txBody>
           <a:bodyPr lIns="0" rIns="0" tIns="28440" bIns="0">
-            <a:normAutofit/>
-          </a:bodyPr>
-          <a:p>
-            <a:pPr marL="328320" indent="-328320">
+            <a:normAutofit fontScale="37000"/>
+          </a:bodyPr>
+          <a:p>
+            <a:pPr marL="318960" indent="-318960">
               <a:spcBef>
                 <a:spcPts val="1423"/>
               </a:spcBef>
@@ -7068,17 +6882,133 @@
                 </a:solidFill>
                 <a:latin typeface="Arial"/>
               </a:rPr>
-              <a:t> </a:t>
-            </a:r>
-            <a:r>
-              <a:rPr b="0" lang="en-US" sz="3200" spc="-1" strike="noStrike">
-                <a:solidFill>
-                  <a:srgbClr val="000000"/>
-                </a:solidFill>
-                <a:latin typeface="Arial"/>
-              </a:rPr>
-              <a:t>All DarkCastle algorithms pass industry standard statistical tests including tests from NIST</a:t>
-            </a:r>
+              <a:t>Alice and Bob run `castle-keygen` to set a passphrase to with which to lock their private key and generate their public keys</a:t>
+            </a:r>
+            <a:endParaRPr b="0" lang="en-US" sz="3200" spc="-1" strike="noStrike">
+              <a:solidFill>
+                <a:srgbClr val="000000"/>
+              </a:solidFill>
+              <a:latin typeface="Arial"/>
+            </a:endParaRPr>
+          </a:p>
+          <a:p>
+            <a:pPr marL="318960" indent="-318960">
+              <a:spcBef>
+                <a:spcPts val="1423"/>
+              </a:spcBef>
+              <a:buClr>
+                <a:srgbClr val="000000"/>
+              </a:buClr>
+              <a:buSzPct val="45000"/>
+              <a:buFont typeface="Wingdings" charset="2"/>
+              <a:buChar char=""/>
+            </a:pPr>
+            <a:r>
+              <a:rPr b="0" lang="en-US" sz="3200" spc="-1" strike="noStrike">
+                <a:solidFill>
+                  <a:srgbClr val="000000"/>
+                </a:solidFill>
+                <a:latin typeface="Arial"/>
+              </a:rPr>
+              <a:t>Alice and Bob exchange .pk files</a:t>
+            </a:r>
+            <a:endParaRPr b="0" lang="en-US" sz="3200" spc="-1" strike="noStrike">
+              <a:solidFill>
+                <a:srgbClr val="000000"/>
+              </a:solidFill>
+              <a:latin typeface="Arial"/>
+            </a:endParaRPr>
+          </a:p>
+          <a:p>
+            <a:pPr marL="318960" indent="-318960">
+              <a:spcBef>
+                <a:spcPts val="1423"/>
+              </a:spcBef>
+              <a:buClr>
+                <a:srgbClr val="000000"/>
+              </a:buClr>
+              <a:buSzPct val="45000"/>
+              <a:buFont typeface="Wingdings" charset="2"/>
+              <a:buChar char=""/>
+            </a:pPr>
+            <a:r>
+              <a:rPr b="0" lang="en-US" sz="3200" spc="-1" strike="noStrike">
+                <a:solidFill>
+                  <a:srgbClr val="000000"/>
+                </a:solidFill>
+                <a:latin typeface="Arial"/>
+              </a:rPr>
+              <a:t>Alice and Bob agree to use the Uvajda cipher</a:t>
+            </a:r>
+            <a:endParaRPr b="0" lang="en-US" sz="3200" spc="-1" strike="noStrike">
+              <a:solidFill>
+                <a:srgbClr val="000000"/>
+              </a:solidFill>
+              <a:latin typeface="Arial"/>
+            </a:endParaRPr>
+          </a:p>
+          <a:p>
+            <a:pPr marL="318960" indent="-318960">
+              <a:spcBef>
+                <a:spcPts val="1423"/>
+              </a:spcBef>
+              <a:buClr>
+                <a:srgbClr val="000000"/>
+              </a:buClr>
+              <a:buSzPct val="45000"/>
+              <a:buFont typeface="Wingdings" charset="2"/>
+              <a:buChar char=""/>
+            </a:pPr>
+            <a:r>
+              <a:rPr b="0" lang="en-US" sz="3200" spc="-1" strike="noStrike">
+                <a:solidFill>
+                  <a:srgbClr val="000000"/>
+                </a:solidFill>
+                <a:latin typeface="Arial"/>
+              </a:rPr>
+              <a:t>Alice types a letter to Bob and encrypts and signs it using DarkCastle `castle uvajda -e letter letter.encrypted Alice.pk Alice.sk`</a:t>
+            </a:r>
+            <a:endParaRPr b="0" lang="en-US" sz="3200" spc="-1" strike="noStrike">
+              <a:solidFill>
+                <a:srgbClr val="000000"/>
+              </a:solidFill>
+              <a:latin typeface="Arial"/>
+            </a:endParaRPr>
+          </a:p>
+          <a:p>
+            <a:pPr marL="318960" indent="-318960">
+              <a:spcBef>
+                <a:spcPts val="1423"/>
+              </a:spcBef>
+              <a:buClr>
+                <a:srgbClr val="000000"/>
+              </a:buClr>
+              <a:buSzPct val="45000"/>
+              <a:buFont typeface="Wingdings" charset="2"/>
+              <a:buChar char=""/>
+            </a:pPr>
+            <a:r>
+              <a:rPr b="0" lang="en-US" sz="3200" spc="-1" strike="noStrike">
+                <a:solidFill>
+                  <a:srgbClr val="000000"/>
+                </a:solidFill>
+                <a:latin typeface="Arial"/>
+              </a:rPr>
+              <a:t>Bob receives the encrypted message and decrypts it using DarkCastle `castle uvajda -d letter.encrypted message.from.alice Bob.sk Bob.pk`</a:t>
+            </a:r>
+            <a:endParaRPr b="0" lang="en-US" sz="3200" spc="-1" strike="noStrike">
+              <a:solidFill>
+                <a:srgbClr val="000000"/>
+              </a:solidFill>
+              <a:latin typeface="Arial"/>
+            </a:endParaRPr>
+          </a:p>
+          <a:p>
+            <a:pPr>
+              <a:spcBef>
+                <a:spcPts val="1423"/>
+              </a:spcBef>
+            </a:pPr>
             <a:endParaRPr b="0" lang="en-US" sz="3200" spc="-1" strike="noStrike">
               <a:solidFill>
                 <a:srgbClr val="000000"/>
@@ -7126,7 +7056,7 @@
         <p:spPr>
           <a:xfrm>
             <a:off x="503280" y="225000"/>
-            <a:ext cx="9051840" cy="927000"/>
+            <a:ext cx="9042480" cy="917640"/>
           </a:xfrm>
           <a:prstGeom prst="rect">
             <a:avLst/>
@@ -7149,7 +7079,7 @@
                 </a:solidFill>
                 <a:latin typeface="Arial"/>
               </a:rPr>
-              <a:t>Cryptanalysis</a:t>
+              <a:t>What about Evil Eve?</a:t>
             </a:r>
             <a:endParaRPr b="0" lang="en-US" sz="4400" spc="-1" strike="noStrike">
               <a:solidFill>
@@ -7169,7 +7099,7 @@
         <p:spPr>
           <a:xfrm>
             <a:off x="503280" y="1326960"/>
-            <a:ext cx="9051840" cy="3268440"/>
+            <a:ext cx="9042480" cy="3259080"/>
           </a:xfrm>
           <a:prstGeom prst="rect">
             <a:avLst/>
@@ -7181,10 +7111,10 @@
         </p:spPr>
         <p:txBody>
           <a:bodyPr lIns="0" rIns="0" tIns="28440" bIns="0">
-            <a:normAutofit/>
-          </a:bodyPr>
-          <a:p>
-            <a:pPr marL="318960" indent="-318960">
+            <a:normAutofit fontScale="94000"/>
+          </a:bodyPr>
+          <a:p>
+            <a:pPr marL="328320" indent="-328320">
               <a:spcBef>
                 <a:spcPts val="1423"/>
               </a:spcBef>
@@ -7202,7 +7132,44 @@
                 </a:solidFill>
                 <a:latin typeface="Arial"/>
               </a:rPr>
-              <a:t>No publicly known attacks</a:t>
+              <a:t> </a:t>
+            </a:r>
+            <a:r>
+              <a:rPr b="0" lang="en-US" sz="3200" spc="-1" strike="noStrike">
+                <a:solidFill>
+                  <a:srgbClr val="000000"/>
+                </a:solidFill>
+                <a:latin typeface="Arial"/>
+              </a:rPr>
+              <a:t>If Eve intercepts the message between Alice and Bob and attempts to alter the message body.  The alteration will be detected by Manja before decryption is attempted.</a:t>
+            </a:r>
+            <a:endParaRPr b="0" lang="en-US" sz="3200" spc="-1" strike="noStrike">
+              <a:solidFill>
+                <a:srgbClr val="000000"/>
+              </a:solidFill>
+              <a:latin typeface="Arial"/>
+            </a:endParaRPr>
+          </a:p>
+          <a:p>
+            <a:pPr marL="328320" indent="-328320">
+              <a:spcBef>
+                <a:spcPts val="1423"/>
+              </a:spcBef>
+              <a:buClr>
+                <a:srgbClr val="000000"/>
+              </a:buClr>
+              <a:buSzPct val="45000"/>
+              <a:buFont typeface="Wingdings" charset="2"/>
+              <a:buChar char=""/>
+            </a:pPr>
+            <a:r>
+              <a:rPr b="0" lang="en-US" sz="3200" spc="-1" strike="noStrike">
+                <a:solidFill>
+                  <a:srgbClr val="000000"/>
+                </a:solidFill>
+                <a:latin typeface="Arial"/>
+              </a:rPr>
+              <a:t>If Eve attempts to forge a digital signature from Bob, DarkCastle will defend you and inform you that the message is not from who you think it is.</a:t>
             </a:r>
             <a:endParaRPr b="0" lang="en-US" sz="3200" spc="-1" strike="noStrike">
               <a:solidFill>
@@ -7251,7 +7218,7 @@
         <p:spPr>
           <a:xfrm>
             <a:off x="503280" y="225000"/>
-            <a:ext cx="9051840" cy="927000"/>
+            <a:ext cx="9042480" cy="917640"/>
           </a:xfrm>
           <a:prstGeom prst="rect">
             <a:avLst/>
@@ -7274,7 +7241,7 @@
                 </a:solidFill>
                 <a:latin typeface="Arial"/>
               </a:rPr>
-              <a:t>Research Resources</a:t>
+              <a:t>Statistical Testing</a:t>
             </a:r>
             <a:endParaRPr b="0" lang="en-US" sz="4400" spc="-1" strike="noStrike">
               <a:solidFill>
@@ -7294,7 +7261,7 @@
         <p:spPr>
           <a:xfrm>
             <a:off x="503280" y="1326960"/>
-            <a:ext cx="9051840" cy="3268440"/>
+            <a:ext cx="9042480" cy="3259080"/>
           </a:xfrm>
           <a:prstGeom prst="rect">
             <a:avLst/>
@@ -7306,10 +7273,10 @@
         </p:spPr>
         <p:txBody>
           <a:bodyPr lIns="0" rIns="0" tIns="28440" bIns="0">
-            <a:normAutofit fontScale="70000"/>
-          </a:bodyPr>
-          <a:p>
-            <a:pPr marL="318960" indent="-318960">
+            <a:normAutofit/>
+          </a:bodyPr>
+          <a:p>
+            <a:pPr marL="328320" indent="-328320">
               <a:spcBef>
                 <a:spcPts val="1423"/>
               </a:spcBef>
@@ -7327,147 +7294,16 @@
                 </a:solidFill>
                 <a:latin typeface="Arial"/>
               </a:rPr>
-              <a:t>Coursera</a:t>
-            </a:r>
-            <a:endParaRPr b="0" lang="en-US" sz="3200" spc="-1" strike="noStrike">
-              <a:solidFill>
-                <a:srgbClr val="000000"/>
-              </a:solidFill>
-              <a:latin typeface="Arial"/>
-            </a:endParaRPr>
-          </a:p>
-          <a:p>
-            <a:pPr marL="318960" indent="-318960">
-              <a:spcBef>
-                <a:spcPts val="1423"/>
-              </a:spcBef>
-              <a:buClr>
-                <a:srgbClr val="000000"/>
-              </a:buClr>
-              <a:buSzPct val="45000"/>
-              <a:buFont typeface="Wingdings" charset="2"/>
-              <a:buChar char=""/>
-            </a:pPr>
-            <a:r>
-              <a:rPr b="0" lang="en-US" sz="3200" spc="-1" strike="noStrike">
-                <a:solidFill>
-                  <a:srgbClr val="000000"/>
-                </a:solidFill>
-                <a:latin typeface="Arial"/>
-              </a:rPr>
-              <a:t>IACR</a:t>
-            </a:r>
-            <a:endParaRPr b="0" lang="en-US" sz="3200" spc="-1" strike="noStrike">
-              <a:solidFill>
-                <a:srgbClr val="000000"/>
-              </a:solidFill>
-              <a:latin typeface="Arial"/>
-            </a:endParaRPr>
-          </a:p>
-          <a:p>
-            <a:pPr marL="318960" indent="-318960">
-              <a:spcBef>
-                <a:spcPts val="1423"/>
-              </a:spcBef>
-              <a:buClr>
-                <a:srgbClr val="000000"/>
-              </a:buClr>
-              <a:buSzPct val="45000"/>
-              <a:buFont typeface="Wingdings" charset="2"/>
-              <a:buChar char=""/>
-            </a:pPr>
-            <a:r>
-              <a:rPr b="0" lang="en-US" sz="3200" spc="-1" strike="noStrike">
-                <a:solidFill>
-                  <a:srgbClr val="000000"/>
-                </a:solidFill>
-                <a:latin typeface="Arial"/>
-              </a:rPr>
-              <a:t>Christof Parr Course Videos on Youtube</a:t>
-            </a:r>
-            <a:endParaRPr b="0" lang="en-US" sz="3200" spc="-1" strike="noStrike">
-              <a:solidFill>
-                <a:srgbClr val="000000"/>
-              </a:solidFill>
-              <a:latin typeface="Arial"/>
-            </a:endParaRPr>
-          </a:p>
-          <a:p>
-            <a:pPr marL="318960" indent="-318960">
-              <a:spcBef>
-                <a:spcPts val="1423"/>
-              </a:spcBef>
-              <a:buClr>
-                <a:srgbClr val="000000"/>
-              </a:buClr>
-              <a:buSzPct val="45000"/>
-              <a:buFont typeface="Wingdings" charset="2"/>
-              <a:buChar char=""/>
-            </a:pPr>
-            <a:r>
-              <a:rPr b="0" lang="en-US" sz="3200" spc="-1" strike="noStrike">
-                <a:solidFill>
-                  <a:srgbClr val="000000"/>
-                </a:solidFill>
-                <a:latin typeface="Arial"/>
-              </a:rPr>
-              <a:t>RSA Conference Videos</a:t>
-            </a:r>
-            <a:endParaRPr b="0" lang="en-US" sz="3200" spc="-1" strike="noStrike">
-              <a:solidFill>
-                <a:srgbClr val="000000"/>
-              </a:solidFill>
-              <a:latin typeface="Arial"/>
-            </a:endParaRPr>
-          </a:p>
-          <a:p>
-            <a:pPr marL="318960" indent="-318960">
-              <a:spcBef>
-                <a:spcPts val="1423"/>
-              </a:spcBef>
-              <a:buClr>
-                <a:srgbClr val="000000"/>
-              </a:buClr>
-              <a:buSzPct val="45000"/>
-              <a:buFont typeface="Wingdings" charset="2"/>
-              <a:buChar char=""/>
-            </a:pPr>
-            <a:r>
-              <a:rPr b="0" lang="en-US" sz="3200" spc="-1" strike="noStrike">
-                <a:solidFill>
-                  <a:srgbClr val="000000"/>
-                </a:solidFill>
-                <a:latin typeface="Arial"/>
-              </a:rPr>
-              <a:t>Lectures by Dan Boneh</a:t>
-            </a:r>
-            <a:endParaRPr b="0" lang="en-US" sz="3200" spc="-1" strike="noStrike">
-              <a:solidFill>
-                <a:srgbClr val="000000"/>
-              </a:solidFill>
-              <a:latin typeface="Arial"/>
-            </a:endParaRPr>
-          </a:p>
-          <a:p>
-            <a:pPr marL="318960" indent="-318960">
-              <a:spcBef>
-                <a:spcPts val="1423"/>
-              </a:spcBef>
-              <a:buClr>
-                <a:srgbClr val="000000"/>
-              </a:buClr>
-              <a:buSzPct val="45000"/>
-              <a:buFont typeface="Wingdings" charset="2"/>
-              <a:buChar char=""/>
-            </a:pPr>
-            <a:r>
-              <a:rPr b="0" lang="en-US" sz="3200" spc="-1" strike="noStrike">
-                <a:solidFill>
-                  <a:srgbClr val="000000"/>
-                </a:solidFill>
-                <a:latin typeface="Arial"/>
-              </a:rPr>
-              <a:t>MIT OpenCourseWare, lectures by Rivest, Goldwasser and Vaikunatunathan</a:t>
+              <a:t> </a:t>
+            </a:r>
+            <a:r>
+              <a:rPr b="0" lang="en-US" sz="3200" spc="-1" strike="noStrike">
+                <a:solidFill>
+                  <a:srgbClr val="000000"/>
+                </a:solidFill>
+                <a:latin typeface="Arial"/>
+              </a:rPr>
+              <a:t>All DarkCastle algorithms pass industry standard statistical tests including tests from NIST</a:t>
             </a:r>
             <a:endParaRPr b="0" lang="en-US" sz="3200" spc="-1" strike="noStrike">
               <a:solidFill>
@@ -7539,7 +7375,7 @@
                 </a:solidFill>
                 <a:latin typeface="Arial"/>
               </a:rPr>
-              <a:t>Research Resources (Books)</a:t>
+              <a:t>Cryptanalysis</a:t>
             </a:r>
             <a:endParaRPr b="0" lang="en-US" sz="4400" spc="-1" strike="noStrike">
               <a:solidFill>
@@ -7592,63 +7428,7 @@
                 </a:solidFill>
                 <a:latin typeface="Arial"/>
               </a:rPr>
-              <a:t>Applied Cryptography</a:t>
-            </a:r>
-            <a:endParaRPr b="0" lang="en-US" sz="3200" spc="-1" strike="noStrike">
-              <a:solidFill>
-                <a:srgbClr val="000000"/>
-              </a:solidFill>
-              <a:latin typeface="Arial"/>
-            </a:endParaRPr>
-          </a:p>
-          <a:p>
-            <a:pPr marL="318960" indent="-318960">
-              <a:spcBef>
-                <a:spcPts val="1423"/>
-              </a:spcBef>
-              <a:buClr>
-                <a:srgbClr val="000000"/>
-              </a:buClr>
-              <a:buSzPct val="45000"/>
-              <a:buFont typeface="Wingdings" charset="2"/>
-              <a:buChar char=""/>
-            </a:pPr>
-            <a:r>
-              <a:rPr b="0" lang="en-US" sz="3200" spc="-1" strike="noStrike">
-                <a:solidFill>
-                  <a:srgbClr val="000000"/>
-                </a:solidFill>
-                <a:latin typeface="Arial"/>
-              </a:rPr>
-              <a:t>Handbook of Applied Cryptography</a:t>
-            </a:r>
-            <a:endParaRPr b="0" lang="en-US" sz="3200" spc="-1" strike="noStrike">
-              <a:solidFill>
-                <a:srgbClr val="000000"/>
-              </a:solidFill>
-              <a:latin typeface="Arial"/>
-            </a:endParaRPr>
-          </a:p>
-          <a:p>
-            <a:pPr marL="318960" indent="-318960">
-              <a:spcBef>
-                <a:spcPts val="1423"/>
-              </a:spcBef>
-              <a:buClr>
-                <a:srgbClr val="000000"/>
-              </a:buClr>
-              <a:buSzPct val="45000"/>
-              <a:buFont typeface="Wingdings" charset="2"/>
-              <a:buChar char=""/>
-            </a:pPr>
-            <a:r>
-              <a:rPr b="0" lang="en-US" sz="3200" spc="-1" strike="noStrike">
-                <a:solidFill>
-                  <a:srgbClr val="000000"/>
-                </a:solidFill>
-                <a:latin typeface="Arial"/>
-              </a:rPr>
-              <a:t>The Design of Rijndael</a:t>
+              <a:t>No publicly known attacks</a:t>
             </a:r>
             <a:endParaRPr b="0" lang="en-US" sz="3200" spc="-1" strike="noStrike">
               <a:solidFill>
@@ -7745,8 +7525,119 @@
         </p:spPr>
         <p:txBody>
           <a:bodyPr lIns="0" rIns="0" tIns="28440" bIns="0">
-            <a:normAutofit/>
-          </a:bodyPr>
+            <a:normAutofit fontScale="82000"/>
+          </a:bodyPr>
+          <a:p>
+            <a:pPr marL="342720" indent="-342720">
+              <a:spcBef>
+                <a:spcPts val="1423"/>
+              </a:spcBef>
+              <a:buClr>
+                <a:srgbClr val="000000"/>
+              </a:buClr>
+              <a:buSzPct val="45000"/>
+              <a:buFont typeface="Wingdings" charset="2"/>
+              <a:buChar char=""/>
+            </a:pPr>
+            <a:r>
+              <a:rPr b="0" lang="en-US" sz="3200" spc="-1" strike="noStrike">
+                <a:solidFill>
+                  <a:srgbClr val="000000"/>
+                </a:solidFill>
+                <a:latin typeface="Arial"/>
+              </a:rPr>
+              <a:t> </a:t>
+            </a:r>
+            <a:r>
+              <a:rPr b="0" lang="en-US" sz="3200" spc="-1" strike="noStrike">
+                <a:solidFill>
+                  <a:srgbClr val="000000"/>
+                </a:solidFill>
+                <a:latin typeface="Arial"/>
+              </a:rPr>
+              <a:t>Card Ciphers</a:t>
+            </a:r>
+            <a:endParaRPr b="0" lang="en-US" sz="3200" spc="-1" strike="noStrike">
+              <a:solidFill>
+                <a:srgbClr val="000000"/>
+              </a:solidFill>
+              <a:latin typeface="Arial"/>
+            </a:endParaRPr>
+          </a:p>
+          <a:p>
+            <a:pPr marL="342720" indent="-342720">
+              <a:spcBef>
+                <a:spcPts val="1423"/>
+              </a:spcBef>
+              <a:buClr>
+                <a:srgbClr val="000000"/>
+              </a:buClr>
+              <a:buSzPct val="45000"/>
+              <a:buFont typeface="Wingdings" charset="2"/>
+              <a:buChar char=""/>
+            </a:pPr>
+            <a:r>
+              <a:rPr b="0" lang="en-US" sz="3200" spc="-1" strike="noStrike">
+                <a:solidFill>
+                  <a:srgbClr val="000000"/>
+                </a:solidFill>
+                <a:latin typeface="Arial"/>
+              </a:rPr>
+              <a:t> </a:t>
+            </a:r>
+            <a:r>
+              <a:rPr b="0" lang="en-US" sz="3200" spc="-1" strike="noStrike">
+                <a:solidFill>
+                  <a:srgbClr val="000000"/>
+                </a:solidFill>
+                <a:latin typeface="Arial"/>
+              </a:rPr>
+              <a:t>Tarot Methods</a:t>
+            </a:r>
+            <a:endParaRPr b="0" lang="en-US" sz="3200" spc="-1" strike="noStrike">
+              <a:solidFill>
+                <a:srgbClr val="000000"/>
+              </a:solidFill>
+              <a:latin typeface="Arial"/>
+            </a:endParaRPr>
+          </a:p>
+          <a:p>
+            <a:pPr marL="342720" indent="-342720">
+              <a:spcBef>
+                <a:spcPts val="1423"/>
+              </a:spcBef>
+              <a:buClr>
+                <a:srgbClr val="000000"/>
+              </a:buClr>
+              <a:buSzPct val="45000"/>
+              <a:buFont typeface="Wingdings" charset="2"/>
+              <a:buChar char=""/>
+            </a:pPr>
+            <a:r>
+              <a:rPr b="0" lang="en-US" sz="3200" spc="-1" strike="noStrike">
+                <a:solidFill>
+                  <a:srgbClr val="000000"/>
+                </a:solidFill>
+                <a:latin typeface="Arial"/>
+              </a:rPr>
+              <a:t> </a:t>
+            </a:r>
+            <a:r>
+              <a:rPr b="0" lang="en-US" sz="3200" spc="-1" strike="noStrike">
+                <a:solidFill>
+                  <a:srgbClr val="000000"/>
+                </a:solidFill>
+                <a:latin typeface="Arial"/>
+              </a:rPr>
+              <a:t>WIQA Series Hand Ciphers</a:t>
+            </a:r>
+            <a:endParaRPr b="0" lang="en-US" sz="3200" spc="-1" strike="noStrike">
+              <a:solidFill>
+                <a:srgbClr val="000000"/>
+              </a:solidFill>
+              <a:latin typeface="Arial"/>
+            </a:endParaRPr>
+          </a:p>
           <a:p>
             <a:pPr marL="342720" indent="-342720">
               <a:spcBef>
@@ -7866,6 +7757,452 @@
 </file>
 
 <file path=ppt/slides/slide40.xml><?xml version="1.0" encoding="utf-8"?>
+<p:sld xmlns:a="http://schemas.openxmlformats.org/drawingml/2006/main" xmlns:p="http://schemas.openxmlformats.org/presentationml/2006/main" xmlns:r="http://schemas.openxmlformats.org/officeDocument/2006/relationships" xmlns:p14="http://schemas.microsoft.com/office/powerpoint/2010/main" xmlns:p15="http://schemas.microsoft.com/office/powerpoint/2012/main" xmlns:mc="http://schemas.openxmlformats.org/markup-compatibility/2006">
+  <p:cSld>
+    <p:bg>
+      <p:bgPr>
+        <a:solidFill>
+          <a:srgbClr val="ffffff"/>
+        </a:solidFill>
+      </p:bgPr>
+    </p:bg>
+    <p:spTree>
+      <p:nvGrpSpPr>
+        <p:cNvPr id="1" name=""/>
+        <p:cNvGrpSpPr/>
+        <p:nvPr/>
+      </p:nvGrpSpPr>
+      <p:grpSpPr>
+        <a:xfrm>
+          <a:off x="0" y="0"/>
+          <a:ext cx="0" cy="0"/>
+          <a:chOff x="0" y="0"/>
+          <a:chExt cx="0" cy="0"/>
+        </a:xfrm>
+      </p:grpSpPr>
+      <p:sp>
+        <p:nvSpPr>
+          <p:cNvPr id="119" name="TextShape 1"/>
+          <p:cNvSpPr txBox="1"/>
+          <p:nvPr/>
+        </p:nvSpPr>
+        <p:spPr>
+          <a:xfrm>
+            <a:off x="503280" y="225000"/>
+            <a:ext cx="9051840" cy="927000"/>
+          </a:xfrm>
+          <a:prstGeom prst="rect">
+            <a:avLst/>
+          </a:prstGeom>
+          <a:noFill/>
+          <a:ln>
+            <a:noFill/>
+          </a:ln>
+        </p:spPr>
+        <p:txBody>
+          <a:bodyPr lIns="0" rIns="0" tIns="0" bIns="0" anchor="ctr">
+            <a:noAutofit/>
+          </a:bodyPr>
+          <a:p>
+            <a:pPr algn="ctr"/>
+            <a:r>
+              <a:rPr b="0" lang="en-US" sz="4400" spc="-1" strike="noStrike">
+                <a:solidFill>
+                  <a:srgbClr val="000000"/>
+                </a:solidFill>
+                <a:latin typeface="Arial"/>
+              </a:rPr>
+              <a:t>Research Resources</a:t>
+            </a:r>
+            <a:endParaRPr b="0" lang="en-US" sz="4400" spc="-1" strike="noStrike">
+              <a:solidFill>
+                <a:srgbClr val="000000"/>
+              </a:solidFill>
+              <a:latin typeface="Arial"/>
+            </a:endParaRPr>
+          </a:p>
+        </p:txBody>
+      </p:sp>
+      <p:sp>
+        <p:nvSpPr>
+          <p:cNvPr id="120" name="TextShape 2"/>
+          <p:cNvSpPr txBox="1"/>
+          <p:nvPr/>
+        </p:nvSpPr>
+        <p:spPr>
+          <a:xfrm>
+            <a:off x="503280" y="1326960"/>
+            <a:ext cx="9051840" cy="3268440"/>
+          </a:xfrm>
+          <a:prstGeom prst="rect">
+            <a:avLst/>
+          </a:prstGeom>
+          <a:noFill/>
+          <a:ln>
+            <a:noFill/>
+          </a:ln>
+        </p:spPr>
+        <p:txBody>
+          <a:bodyPr lIns="0" rIns="0" tIns="28440" bIns="0">
+            <a:normAutofit fontScale="70000"/>
+          </a:bodyPr>
+          <a:p>
+            <a:pPr marL="318960" indent="-318960">
+              <a:spcBef>
+                <a:spcPts val="1423"/>
+              </a:spcBef>
+              <a:buClr>
+                <a:srgbClr val="000000"/>
+              </a:buClr>
+              <a:buSzPct val="45000"/>
+              <a:buFont typeface="Wingdings" charset="2"/>
+              <a:buChar char=""/>
+            </a:pPr>
+            <a:r>
+              <a:rPr b="0" lang="en-US" sz="3200" spc="-1" strike="noStrike">
+                <a:solidFill>
+                  <a:srgbClr val="000000"/>
+                </a:solidFill>
+                <a:latin typeface="Arial"/>
+              </a:rPr>
+              <a:t>Coursera</a:t>
+            </a:r>
+            <a:endParaRPr b="0" lang="en-US" sz="3200" spc="-1" strike="noStrike">
+              <a:solidFill>
+                <a:srgbClr val="000000"/>
+              </a:solidFill>
+              <a:latin typeface="Arial"/>
+            </a:endParaRPr>
+          </a:p>
+          <a:p>
+            <a:pPr marL="318960" indent="-318960">
+              <a:spcBef>
+                <a:spcPts val="1423"/>
+              </a:spcBef>
+              <a:buClr>
+                <a:srgbClr val="000000"/>
+              </a:buClr>
+              <a:buSzPct val="45000"/>
+              <a:buFont typeface="Wingdings" charset="2"/>
+              <a:buChar char=""/>
+            </a:pPr>
+            <a:r>
+              <a:rPr b="0" lang="en-US" sz="3200" spc="-1" strike="noStrike">
+                <a:solidFill>
+                  <a:srgbClr val="000000"/>
+                </a:solidFill>
+                <a:latin typeface="Arial"/>
+              </a:rPr>
+              <a:t>IACR</a:t>
+            </a:r>
+            <a:endParaRPr b="0" lang="en-US" sz="3200" spc="-1" strike="noStrike">
+              <a:solidFill>
+                <a:srgbClr val="000000"/>
+              </a:solidFill>
+              <a:latin typeface="Arial"/>
+            </a:endParaRPr>
+          </a:p>
+          <a:p>
+            <a:pPr marL="318960" indent="-318960">
+              <a:spcBef>
+                <a:spcPts val="1423"/>
+              </a:spcBef>
+              <a:buClr>
+                <a:srgbClr val="000000"/>
+              </a:buClr>
+              <a:buSzPct val="45000"/>
+              <a:buFont typeface="Wingdings" charset="2"/>
+              <a:buChar char=""/>
+            </a:pPr>
+            <a:r>
+              <a:rPr b="0" lang="en-US" sz="3200" spc="-1" strike="noStrike">
+                <a:solidFill>
+                  <a:srgbClr val="000000"/>
+                </a:solidFill>
+                <a:latin typeface="Arial"/>
+              </a:rPr>
+              <a:t>Christof Parr Course Videos on Youtube</a:t>
+            </a:r>
+            <a:endParaRPr b="0" lang="en-US" sz="3200" spc="-1" strike="noStrike">
+              <a:solidFill>
+                <a:srgbClr val="000000"/>
+              </a:solidFill>
+              <a:latin typeface="Arial"/>
+            </a:endParaRPr>
+          </a:p>
+          <a:p>
+            <a:pPr marL="318960" indent="-318960">
+              <a:spcBef>
+                <a:spcPts val="1423"/>
+              </a:spcBef>
+              <a:buClr>
+                <a:srgbClr val="000000"/>
+              </a:buClr>
+              <a:buSzPct val="45000"/>
+              <a:buFont typeface="Wingdings" charset="2"/>
+              <a:buChar char=""/>
+            </a:pPr>
+            <a:r>
+              <a:rPr b="0" lang="en-US" sz="3200" spc="-1" strike="noStrike">
+                <a:solidFill>
+                  <a:srgbClr val="000000"/>
+                </a:solidFill>
+                <a:latin typeface="Arial"/>
+              </a:rPr>
+              <a:t>RSA Conference Videos</a:t>
+            </a:r>
+            <a:endParaRPr b="0" lang="en-US" sz="3200" spc="-1" strike="noStrike">
+              <a:solidFill>
+                <a:srgbClr val="000000"/>
+              </a:solidFill>
+              <a:latin typeface="Arial"/>
+            </a:endParaRPr>
+          </a:p>
+          <a:p>
+            <a:pPr marL="318960" indent="-318960">
+              <a:spcBef>
+                <a:spcPts val="1423"/>
+              </a:spcBef>
+              <a:buClr>
+                <a:srgbClr val="000000"/>
+              </a:buClr>
+              <a:buSzPct val="45000"/>
+              <a:buFont typeface="Wingdings" charset="2"/>
+              <a:buChar char=""/>
+            </a:pPr>
+            <a:r>
+              <a:rPr b="0" lang="en-US" sz="3200" spc="-1" strike="noStrike">
+                <a:solidFill>
+                  <a:srgbClr val="000000"/>
+                </a:solidFill>
+                <a:latin typeface="Arial"/>
+              </a:rPr>
+              <a:t>Lectures by Dan Boneh</a:t>
+            </a:r>
+            <a:endParaRPr b="0" lang="en-US" sz="3200" spc="-1" strike="noStrike">
+              <a:solidFill>
+                <a:srgbClr val="000000"/>
+              </a:solidFill>
+              <a:latin typeface="Arial"/>
+            </a:endParaRPr>
+          </a:p>
+          <a:p>
+            <a:pPr marL="318960" indent="-318960">
+              <a:spcBef>
+                <a:spcPts val="1423"/>
+              </a:spcBef>
+              <a:buClr>
+                <a:srgbClr val="000000"/>
+              </a:buClr>
+              <a:buSzPct val="45000"/>
+              <a:buFont typeface="Wingdings" charset="2"/>
+              <a:buChar char=""/>
+            </a:pPr>
+            <a:r>
+              <a:rPr b="0" lang="en-US" sz="3200" spc="-1" strike="noStrike">
+                <a:solidFill>
+                  <a:srgbClr val="000000"/>
+                </a:solidFill>
+                <a:latin typeface="Arial"/>
+              </a:rPr>
+              <a:t>MIT OpenCourseWare, lectures by Rivest, Goldwasser and Vaikunatunathan</a:t>
+            </a:r>
+            <a:endParaRPr b="0" lang="en-US" sz="3200" spc="-1" strike="noStrike">
+              <a:solidFill>
+                <a:srgbClr val="000000"/>
+              </a:solidFill>
+              <a:latin typeface="Arial"/>
+            </a:endParaRPr>
+          </a:p>
+        </p:txBody>
+      </p:sp>
+    </p:spTree>
+  </p:cSld>
+</p:sld>
+</file>
+
+<file path=ppt/slides/slide41.xml><?xml version="1.0" encoding="utf-8"?>
+<p:sld xmlns:a="http://schemas.openxmlformats.org/drawingml/2006/main" xmlns:p="http://schemas.openxmlformats.org/presentationml/2006/main" xmlns:r="http://schemas.openxmlformats.org/officeDocument/2006/relationships" xmlns:p14="http://schemas.microsoft.com/office/powerpoint/2010/main" xmlns:p15="http://schemas.microsoft.com/office/powerpoint/2012/main" xmlns:mc="http://schemas.openxmlformats.org/markup-compatibility/2006">
+  <p:cSld>
+    <p:bg>
+      <p:bgPr>
+        <a:solidFill>
+          <a:srgbClr val="ffffff"/>
+        </a:solidFill>
+      </p:bgPr>
+    </p:bg>
+    <p:spTree>
+      <p:nvGrpSpPr>
+        <p:cNvPr id="1" name=""/>
+        <p:cNvGrpSpPr/>
+        <p:nvPr/>
+      </p:nvGrpSpPr>
+      <p:grpSpPr>
+        <a:xfrm>
+          <a:off x="0" y="0"/>
+          <a:ext cx="0" cy="0"/>
+          <a:chOff x="0" y="0"/>
+          <a:chExt cx="0" cy="0"/>
+        </a:xfrm>
+      </p:grpSpPr>
+      <p:sp>
+        <p:nvSpPr>
+          <p:cNvPr id="121" name="TextShape 1"/>
+          <p:cNvSpPr txBox="1"/>
+          <p:nvPr/>
+        </p:nvSpPr>
+        <p:spPr>
+          <a:xfrm>
+            <a:off x="503280" y="225000"/>
+            <a:ext cx="9051840" cy="927000"/>
+          </a:xfrm>
+          <a:prstGeom prst="rect">
+            <a:avLst/>
+          </a:prstGeom>
+          <a:noFill/>
+          <a:ln>
+            <a:noFill/>
+          </a:ln>
+        </p:spPr>
+        <p:txBody>
+          <a:bodyPr lIns="0" rIns="0" tIns="0" bIns="0" anchor="ctr">
+            <a:noAutofit/>
+          </a:bodyPr>
+          <a:p>
+            <a:pPr algn="ctr"/>
+            <a:r>
+              <a:rPr b="0" lang="en-US" sz="4400" spc="-1" strike="noStrike">
+                <a:solidFill>
+                  <a:srgbClr val="000000"/>
+                </a:solidFill>
+                <a:latin typeface="Arial"/>
+              </a:rPr>
+              <a:t>Research Resources (Books)</a:t>
+            </a:r>
+            <a:endParaRPr b="0" lang="en-US" sz="4400" spc="-1" strike="noStrike">
+              <a:solidFill>
+                <a:srgbClr val="000000"/>
+              </a:solidFill>
+              <a:latin typeface="Arial"/>
+            </a:endParaRPr>
+          </a:p>
+        </p:txBody>
+      </p:sp>
+      <p:sp>
+        <p:nvSpPr>
+          <p:cNvPr id="122" name="TextShape 2"/>
+          <p:cNvSpPr txBox="1"/>
+          <p:nvPr/>
+        </p:nvSpPr>
+        <p:spPr>
+          <a:xfrm>
+            <a:off x="503280" y="1326960"/>
+            <a:ext cx="9051840" cy="3268440"/>
+          </a:xfrm>
+          <a:prstGeom prst="rect">
+            <a:avLst/>
+          </a:prstGeom>
+          <a:noFill/>
+          <a:ln>
+            <a:noFill/>
+          </a:ln>
+        </p:spPr>
+        <p:txBody>
+          <a:bodyPr lIns="0" rIns="0" tIns="28440" bIns="0">
+            <a:normAutofit/>
+          </a:bodyPr>
+          <a:p>
+            <a:pPr marL="318960" indent="-318960">
+              <a:spcBef>
+                <a:spcPts val="1423"/>
+              </a:spcBef>
+              <a:buClr>
+                <a:srgbClr val="000000"/>
+              </a:buClr>
+              <a:buSzPct val="45000"/>
+              <a:buFont typeface="Wingdings" charset="2"/>
+              <a:buChar char=""/>
+            </a:pPr>
+            <a:r>
+              <a:rPr b="0" lang="en-US" sz="3200" spc="-1" strike="noStrike">
+                <a:solidFill>
+                  <a:srgbClr val="000000"/>
+                </a:solidFill>
+                <a:latin typeface="Arial"/>
+              </a:rPr>
+              <a:t>Applied Cryptography</a:t>
+            </a:r>
+            <a:endParaRPr b="0" lang="en-US" sz="3200" spc="-1" strike="noStrike">
+              <a:solidFill>
+                <a:srgbClr val="000000"/>
+              </a:solidFill>
+              <a:latin typeface="Arial"/>
+            </a:endParaRPr>
+          </a:p>
+          <a:p>
+            <a:pPr marL="318960" indent="-318960">
+              <a:spcBef>
+                <a:spcPts val="1423"/>
+              </a:spcBef>
+              <a:buClr>
+                <a:srgbClr val="000000"/>
+              </a:buClr>
+              <a:buSzPct val="45000"/>
+              <a:buFont typeface="Wingdings" charset="2"/>
+              <a:buChar char=""/>
+            </a:pPr>
+            <a:r>
+              <a:rPr b="0" lang="en-US" sz="3200" spc="-1" strike="noStrike">
+                <a:solidFill>
+                  <a:srgbClr val="000000"/>
+                </a:solidFill>
+                <a:latin typeface="Arial"/>
+              </a:rPr>
+              <a:t>Handbook of Applied Cryptography</a:t>
+            </a:r>
+            <a:endParaRPr b="0" lang="en-US" sz="3200" spc="-1" strike="noStrike">
+              <a:solidFill>
+                <a:srgbClr val="000000"/>
+              </a:solidFill>
+              <a:latin typeface="Arial"/>
+            </a:endParaRPr>
+          </a:p>
+          <a:p>
+            <a:pPr marL="318960" indent="-318960">
+              <a:spcBef>
+                <a:spcPts val="1423"/>
+              </a:spcBef>
+              <a:buClr>
+                <a:srgbClr val="000000"/>
+              </a:buClr>
+              <a:buSzPct val="45000"/>
+              <a:buFont typeface="Wingdings" charset="2"/>
+              <a:buChar char=""/>
+            </a:pPr>
+            <a:r>
+              <a:rPr b="0" lang="en-US" sz="3200" spc="-1" strike="noStrike">
+                <a:solidFill>
+                  <a:srgbClr val="000000"/>
+                </a:solidFill>
+                <a:latin typeface="Arial"/>
+              </a:rPr>
+              <a:t>The Design of Rijndael</a:t>
+            </a:r>
+            <a:endParaRPr b="0" lang="en-US" sz="3200" spc="-1" strike="noStrike">
+              <a:solidFill>
+                <a:srgbClr val="000000"/>
+              </a:solidFill>
+              <a:latin typeface="Arial"/>
+            </a:endParaRPr>
+          </a:p>
+        </p:txBody>
+      </p:sp>
+    </p:spTree>
+  </p:cSld>
+</p:sld>
+</file>
+
+<file path=ppt/slides/slide42.xml><?xml version="1.0" encoding="utf-8"?>
 <p:sld xmlns:a="http://schemas.openxmlformats.org/drawingml/2006/main" xmlns:p="http://schemas.openxmlformats.org/presentationml/2006/main" xmlns:r="http://schemas.openxmlformats.org/officeDocument/2006/relationships" xmlns:p14="http://schemas.microsoft.com/office/powerpoint/2010/main" xmlns:p15="http://schemas.microsoft.com/office/powerpoint/2012/main" xmlns:mc="http://schemas.openxmlformats.org/markup-compatibility/2006">
   <p:cSld>
     <p:spTree>
@@ -7884,7 +8221,7 @@
       </p:grpSpPr>
       <p:sp>
         <p:nvSpPr>
-          <p:cNvPr id="119" name="TextShape 1"/>
+          <p:cNvPr id="123" name="TextShape 1"/>
           <p:cNvSpPr txBox="1"/>
           <p:nvPr/>
         </p:nvSpPr>
@@ -7927,7 +8264,7 @@
       </p:sp>
       <p:sp>
         <p:nvSpPr>
-          <p:cNvPr id="120" name="TextShape 2"/>
+          <p:cNvPr id="124" name="TextShape 2"/>
           <p:cNvSpPr txBox="1"/>
           <p:nvPr/>
         </p:nvSpPr>
@@ -7977,7 +8314,7 @@
 </p:sld>
 </file>
 
-<file path=ppt/slides/slide41.xml><?xml version="1.0" encoding="utf-8"?>
+<file path=ppt/slides/slide43.xml><?xml version="1.0" encoding="utf-8"?>
 <p:sld xmlns:a="http://schemas.openxmlformats.org/drawingml/2006/main" xmlns:p="http://schemas.openxmlformats.org/presentationml/2006/main" xmlns:r="http://schemas.openxmlformats.org/officeDocument/2006/relationships" xmlns:p14="http://schemas.microsoft.com/office/powerpoint/2010/main" xmlns:p15="http://schemas.microsoft.com/office/powerpoint/2012/main" xmlns:mc="http://schemas.openxmlformats.org/markup-compatibility/2006">
   <p:cSld>
     <p:spTree>
@@ -7996,7 +8333,7 @@
       </p:grpSpPr>
       <p:sp>
         <p:nvSpPr>
-          <p:cNvPr id="121" name="TextShape 1"/>
+          <p:cNvPr id="125" name="TextShape 1"/>
           <p:cNvSpPr txBox="1"/>
           <p:nvPr/>
         </p:nvSpPr>
@@ -8039,7 +8376,7 @@
       </p:sp>
       <p:sp>
         <p:nvSpPr>
-          <p:cNvPr id="122" name="TextShape 2"/>
+          <p:cNvPr id="126" name="TextShape 2"/>
           <p:cNvSpPr txBox="1"/>
           <p:nvPr/>
         </p:nvSpPr>
@@ -8153,7 +8490,7 @@
                 </a:solidFill>
                 <a:latin typeface="Arial"/>
               </a:rPr>
-              <a:t> </a:t>
+              <a:t>Areas of Focus and Expertise</a:t>
             </a:r>
             <a:endParaRPr b="0" lang="en-US" sz="4400" spc="-1" strike="noStrike">
               <a:solidFill>
@@ -8192,6 +8529,12 @@
               <a:spcBef>
                 <a:spcPts val="1423"/>
               </a:spcBef>
+              <a:buClr>
+                <a:srgbClr val="000000"/>
+              </a:buClr>
+              <a:buSzPct val="45000"/>
+              <a:buFont typeface="Wingdings" charset="2"/>
+              <a:buChar char=""/>
             </a:pPr>
             <a:r>
               <a:rPr b="0" lang="en-US" sz="3200" spc="-1" strike="noStrike">
@@ -8201,6 +8544,89 @@
                 <a:latin typeface="Arial"/>
               </a:rPr>
               <a:t> </a:t>
+            </a:r>
+            <a:r>
+              <a:rPr b="0" lang="en-US" sz="3200" spc="-1" strike="noStrike">
+                <a:solidFill>
+                  <a:srgbClr val="000000"/>
+                </a:solidFill>
+                <a:latin typeface="Arial"/>
+              </a:rPr>
+              <a:t>Cryptographic Research (Symmetric/Assymetric)</a:t>
+            </a:r>
+            <a:endParaRPr b="0" lang="en-US" sz="3200" spc="-1" strike="noStrike">
+              <a:solidFill>
+                <a:srgbClr val="000000"/>
+              </a:solidFill>
+              <a:latin typeface="Arial"/>
+            </a:endParaRPr>
+          </a:p>
+          <a:p>
+            <a:pPr marL="342720" indent="-342720">
+              <a:spcBef>
+                <a:spcPts val="1423"/>
+              </a:spcBef>
+              <a:buClr>
+                <a:srgbClr val="000000"/>
+              </a:buClr>
+              <a:buSzPct val="45000"/>
+              <a:buFont typeface="Wingdings" charset="2"/>
+              <a:buChar char=""/>
+            </a:pPr>
+            <a:r>
+              <a:rPr b="0" lang="en-US" sz="3200" spc="-1" strike="noStrike">
+                <a:solidFill>
+                  <a:srgbClr val="000000"/>
+                </a:solidFill>
+                <a:latin typeface="Arial"/>
+              </a:rPr>
+              <a:t> </a:t>
+            </a:r>
+            <a:r>
+              <a:rPr b="0" lang="en-US" sz="3200" spc="-1" strike="noStrike">
+                <a:solidFill>
+                  <a:srgbClr val="000000"/>
+                </a:solidFill>
+                <a:latin typeface="Arial"/>
+              </a:rPr>
+              <a:t>Wiccan and Pagan Practices (As it relates to mathematics, astronomy and nature)</a:t>
+            </a:r>
+            <a:endParaRPr b="0" lang="en-US" sz="3200" spc="-1" strike="noStrike">
+              <a:solidFill>
+                <a:srgbClr val="000000"/>
+              </a:solidFill>
+              <a:latin typeface="Arial"/>
+            </a:endParaRPr>
+          </a:p>
+          <a:p>
+            <a:pPr marL="342720" indent="-342720">
+              <a:spcBef>
+                <a:spcPts val="1423"/>
+              </a:spcBef>
+              <a:buClr>
+                <a:srgbClr val="000000"/>
+              </a:buClr>
+              <a:buSzPct val="45000"/>
+              <a:buFont typeface="Wingdings" charset="2"/>
+              <a:buChar char=""/>
+            </a:pPr>
+            <a:r>
+              <a:rPr b="0" lang="en-US" sz="3200" spc="-1" strike="noStrike">
+                <a:solidFill>
+                  <a:srgbClr val="000000"/>
+                </a:solidFill>
+                <a:latin typeface="Arial"/>
+              </a:rPr>
+              <a:t> </a:t>
+            </a:r>
+            <a:r>
+              <a:rPr b="0" lang="en-US" sz="3200" spc="-1" strike="noStrike">
+                <a:solidFill>
+                  <a:srgbClr val="000000"/>
+                </a:solidFill>
+                <a:latin typeface="Arial"/>
+              </a:rPr>
+              <a:t>The Occult (Ancient demonology rites, banishing rituals)</a:t>
             </a:r>
             <a:endParaRPr b="0" lang="en-US" sz="3200" spc="-1" strike="noStrike">
               <a:solidFill>
@@ -8267,6 +8693,15 @@
               </a:rPr>
               <a:t> </a:t>
             </a:r>
+            <a:r>
+              <a:rPr b="0" lang="en-US" sz="4400" spc="-1" strike="noStrike">
+                <a:solidFill>
+                  <a:srgbClr val="000000"/>
+                </a:solidFill>
+                <a:latin typeface="Arial"/>
+              </a:rPr>
+              <a:t>Named Areas of Interest</a:t>
+            </a:r>
             <a:endParaRPr b="0" lang="en-US" sz="4400" spc="-1" strike="noStrike">
               <a:solidFill>
                 <a:srgbClr val="000000"/>
@@ -8304,6 +8739,12 @@
               <a:spcBef>
                 <a:spcPts val="1423"/>
               </a:spcBef>
+              <a:buClr>
+                <a:srgbClr val="000000"/>
+              </a:buClr>
+              <a:buSzPct val="45000"/>
+              <a:buFont typeface="Wingdings" charset="2"/>
+              <a:buChar char=""/>
             </a:pPr>
             <a:r>
               <a:rPr b="0" lang="en-US" sz="3200" spc="-1" strike="noStrike">
@@ -8313,6 +8754,89 @@
                 <a:latin typeface="Arial"/>
               </a:rPr>
               <a:t> </a:t>
+            </a:r>
+            <a:r>
+              <a:rPr b="0" lang="en-US" sz="3200" spc="-1" strike="noStrike">
+                <a:solidFill>
+                  <a:srgbClr val="000000"/>
+                </a:solidFill>
+                <a:latin typeface="Arial"/>
+              </a:rPr>
+              <a:t>The Joseph Smith Method (including papyri and divination tools)</a:t>
+            </a:r>
+            <a:endParaRPr b="0" lang="en-US" sz="3200" spc="-1" strike="noStrike">
+              <a:solidFill>
+                <a:srgbClr val="000000"/>
+              </a:solidFill>
+              <a:latin typeface="Arial"/>
+            </a:endParaRPr>
+          </a:p>
+          <a:p>
+            <a:pPr marL="342720" indent="-342720">
+              <a:spcBef>
+                <a:spcPts val="1423"/>
+              </a:spcBef>
+              <a:buClr>
+                <a:srgbClr val="000000"/>
+              </a:buClr>
+              <a:buSzPct val="45000"/>
+              <a:buFont typeface="Wingdings" charset="2"/>
+              <a:buChar char=""/>
+            </a:pPr>
+            <a:r>
+              <a:rPr b="0" lang="en-US" sz="3200" spc="-1" strike="noStrike">
+                <a:solidFill>
+                  <a:srgbClr val="000000"/>
+                </a:solidFill>
+                <a:latin typeface="Arial"/>
+              </a:rPr>
+              <a:t> </a:t>
+            </a:r>
+            <a:r>
+              <a:rPr b="0" lang="en-US" sz="3200" spc="-1" strike="noStrike">
+                <a:solidFill>
+                  <a:srgbClr val="000000"/>
+                </a:solidFill>
+                <a:latin typeface="Arial"/>
+              </a:rPr>
+              <a:t>Jewish Divination Methods</a:t>
+            </a:r>
+            <a:endParaRPr b="0" lang="en-US" sz="3200" spc="-1" strike="noStrike">
+              <a:solidFill>
+                <a:srgbClr val="000000"/>
+              </a:solidFill>
+              <a:latin typeface="Arial"/>
+            </a:endParaRPr>
+          </a:p>
+          <a:p>
+            <a:pPr marL="342720" indent="-342720">
+              <a:spcBef>
+                <a:spcPts val="1423"/>
+              </a:spcBef>
+              <a:buClr>
+                <a:srgbClr val="000000"/>
+              </a:buClr>
+              <a:buSzPct val="45000"/>
+              <a:buFont typeface="Wingdings" charset="2"/>
+              <a:buChar char=""/>
+            </a:pPr>
+            <a:r>
+              <a:rPr b="0" lang="en-US" sz="3200" spc="-1" strike="noStrike">
+                <a:solidFill>
+                  <a:srgbClr val="000000"/>
+                </a:solidFill>
+                <a:latin typeface="Arial"/>
+              </a:rPr>
+              <a:t> </a:t>
+            </a:r>
+            <a:r>
+              <a:rPr b="0" lang="en-US" sz="3200" spc="-1" strike="noStrike">
+                <a:solidFill>
+                  <a:srgbClr val="000000"/>
+                </a:solidFill>
+                <a:latin typeface="Arial"/>
+              </a:rPr>
+              <a:t>Connections between ancient and present religions and the languages of the Earth</a:t>
             </a:r>
             <a:endParaRPr b="0" lang="en-US" sz="3200" spc="-1" strike="noStrike">
               <a:solidFill>
@@ -8377,7 +8901,7 @@
                 </a:solidFill>
                 <a:latin typeface="Arial"/>
               </a:rPr>
-              <a:t> </a:t>
+              <a:t>Why you should fund?</a:t>
             </a:r>
             <a:endParaRPr b="0" lang="en-US" sz="4400" spc="-1" strike="noStrike">
               <a:solidFill>
@@ -8409,13 +8933,19 @@
         </p:spPr>
         <p:txBody>
           <a:bodyPr lIns="0" rIns="0" tIns="28440" bIns="0">
-            <a:normAutofit/>
+            <a:normAutofit fontScale="52000"/>
           </a:bodyPr>
           <a:p>
             <a:pPr marL="342720" indent="-342720">
               <a:spcBef>
                 <a:spcPts val="1423"/>
               </a:spcBef>
+              <a:buClr>
+                <a:srgbClr val="000000"/>
+              </a:buClr>
+              <a:buSzPct val="45000"/>
+              <a:buFont typeface="Wingdings" charset="2"/>
+              <a:buChar char=""/>
             </a:pPr>
             <a:r>
               <a:rPr b="0" lang="en-US" sz="3200" spc="-1" strike="noStrike">
@@ -8425,6 +8955,89 @@
                 <a:latin typeface="Arial"/>
               </a:rPr>
               <a:t> </a:t>
+            </a:r>
+            <a:r>
+              <a:rPr b="0" lang="en-US" sz="3200" spc="-1" strike="noStrike">
+                <a:solidFill>
+                  <a:srgbClr val="000000"/>
+                </a:solidFill>
+                <a:latin typeface="Arial"/>
+              </a:rPr>
+              <a:t>KryptoMagick is dedicated to uncovering new mathematical and theoretical ways that we can tap into the future and the past simulateously</a:t>
+            </a:r>
+            <a:endParaRPr b="0" lang="en-US" sz="3200" spc="-1" strike="noStrike">
+              <a:solidFill>
+                <a:srgbClr val="000000"/>
+              </a:solidFill>
+              <a:latin typeface="Arial"/>
+            </a:endParaRPr>
+          </a:p>
+          <a:p>
+            <a:pPr marL="342720" indent="-342720">
+              <a:spcBef>
+                <a:spcPts val="1423"/>
+              </a:spcBef>
+              <a:buClr>
+                <a:srgbClr val="000000"/>
+              </a:buClr>
+              <a:buSzPct val="45000"/>
+              <a:buFont typeface="Wingdings" charset="2"/>
+              <a:buChar char=""/>
+            </a:pPr>
+            <a:r>
+              <a:rPr b="0" lang="en-US" sz="3200" spc="-1" strike="noStrike">
+                <a:solidFill>
+                  <a:srgbClr val="000000"/>
+                </a:solidFill>
+                <a:latin typeface="Arial"/>
+              </a:rPr>
+              <a:t> </a:t>
+            </a:r>
+            <a:r>
+              <a:rPr b="0" lang="en-US" sz="3200" spc="-1" strike="noStrike">
+                <a:solidFill>
+                  <a:srgbClr val="000000"/>
+                </a:solidFill>
+                <a:latin typeface="Arial"/>
+              </a:rPr>
+              <a:t>KryptoMagick will always release true and unbiased information based on personal evidence and testimony</a:t>
+            </a:r>
+            <a:endParaRPr b="0" lang="en-US" sz="3200" spc="-1" strike="noStrike">
+              <a:solidFill>
+                <a:srgbClr val="000000"/>
+              </a:solidFill>
+              <a:latin typeface="Arial"/>
+            </a:endParaRPr>
+          </a:p>
+          <a:p>
+            <a:pPr marL="342720" indent="-342720">
+              <a:spcBef>
+                <a:spcPts val="1423"/>
+              </a:spcBef>
+              <a:buClr>
+                <a:srgbClr val="000000"/>
+              </a:buClr>
+              <a:buSzPct val="45000"/>
+              <a:buFont typeface="Wingdings" charset="2"/>
+              <a:buChar char=""/>
+            </a:pPr>
+            <a:r>
+              <a:rPr b="0" lang="en-US" sz="3200" spc="-1" strike="noStrike">
+                <a:solidFill>
+                  <a:srgbClr val="000000"/>
+                </a:solidFill>
+                <a:latin typeface="Arial"/>
+              </a:rPr>
+              <a:t> </a:t>
+            </a:r>
+            <a:r>
+              <a:rPr b="0" lang="en-US" sz="3200" spc="-1" strike="noStrike">
+                <a:solidFill>
+                  <a:srgbClr val="000000"/>
+                </a:solidFill>
+                <a:latin typeface="Arial"/>
+              </a:rPr>
+              <a:t>KryptoMagick is the one Wiccan Cryptographic Research and Development Company that hopes to share the love of Earth religions and Magick with all</a:t>
             </a:r>
             <a:endParaRPr b="0" lang="en-US" sz="3200" spc="-1" strike="noStrike">
               <a:solidFill>
